--- a/pre_fff.pptx
+++ b/pre_fff.pptx
@@ -6,9 +6,10 @@
   </p:sldMasterIdLst>
   <p:sldIdLst>
     <p:sldId id="256" r:id="rId2"/>
-    <p:sldId id="257" r:id="rId3"/>
-    <p:sldId id="258" r:id="rId4"/>
-    <p:sldId id="259" r:id="rId5"/>
+    <p:sldId id="260" r:id="rId3"/>
+    <p:sldId id="257" r:id="rId4"/>
+    <p:sldId id="258" r:id="rId5"/>
+    <p:sldId id="259" r:id="rId6"/>
   </p:sldIdLst>
   <p:sldSz cx="12192000" cy="6858000"/>
   <p:notesSz cx="6858000" cy="9144000"/>
@@ -107,6 +108,11 @@
       </a:defRPr>
     </a:lvl9pPr>
   </p:defaultTextStyle>
+  <p:extLst>
+    <p:ext uri="{EFAFB233-063F-42B5-8137-9DF3F51BA10A}">
+      <p15:sldGuideLst xmlns:p15="http://schemas.microsoft.com/office/powerpoint/2012/main"/>
+    </p:ext>
+  </p:extLst>
 </p:presentation>
 </file>
 
@@ -3115,21 +3121,40 @@
           <a:bodyPr/>
           <a:lstStyle/>
           <a:p>
+            <a:endParaRPr kumimoji="1" lang="zh-CN" altLang="en-US"/>
+          </a:p>
+        </p:txBody>
+      </p:sp>
+      <p:sp>
+        <p:nvSpPr>
+          <p:cNvPr id="3" name="内容占位符 2"/>
+          <p:cNvSpPr>
+            <a:spLocks noGrp="1"/>
+          </p:cNvSpPr>
+          <p:nvPr>
+            <p:ph idx="1"/>
+          </p:nvPr>
+        </p:nvSpPr>
+        <p:spPr/>
+        <p:txBody>
+          <a:bodyPr/>
+          <a:lstStyle/>
+          <a:p>
+            <a:r>
+              <a:rPr kumimoji="1" lang="en-US" altLang="zh-CN" dirty="0" smtClean="0">
+                <a:latin typeface="Microsoft YaHei Light" charset="-122"/>
+                <a:ea typeface="Microsoft YaHei Light" charset="-122"/>
+                <a:cs typeface="Microsoft YaHei Light" charset="-122"/>
+              </a:rPr>
+              <a:t>My fellow ,</a:t>
+            </a:r>
             <a:r>
               <a:rPr kumimoji="1" lang="en-US" altLang="zh-CN" dirty="0" err="1" smtClean="0">
                 <a:latin typeface="Microsoft YaHei Light" charset="-122"/>
                 <a:ea typeface="Microsoft YaHei Light" charset="-122"/>
                 <a:cs typeface="Microsoft YaHei Light" charset="-122"/>
               </a:rPr>
-              <a:t>AlexNet</a:t>
-            </a:r>
-            <a:r>
-              <a:rPr kumimoji="1" lang="zh-CN" altLang="en-US" dirty="0" smtClean="0">
-                <a:latin typeface="Microsoft YaHei Light" charset="-122"/>
-                <a:ea typeface="Microsoft YaHei Light" charset="-122"/>
-                <a:cs typeface="Microsoft YaHei Light" charset="-122"/>
-              </a:rPr>
-              <a:t> </a:t>
+              <a:t>Zhuo</a:t>
             </a:r>
             <a:r>
               <a:rPr kumimoji="1" lang="en-US" altLang="zh-CN" dirty="0" smtClean="0">
@@ -3137,30 +3162,7 @@
                 <a:ea typeface="Microsoft YaHei Light" charset="-122"/>
                 <a:cs typeface="Microsoft YaHei Light" charset="-122"/>
               </a:rPr>
-              <a:t/>
-            </a:r>
-            <a:br>
-              <a:rPr kumimoji="1" lang="en-US" altLang="zh-CN" dirty="0" smtClean="0">
-                <a:latin typeface="Microsoft YaHei Light" charset="-122"/>
-                <a:ea typeface="Microsoft YaHei Light" charset="-122"/>
-                <a:cs typeface="Microsoft YaHei Light" charset="-122"/>
-              </a:rPr>
-            </a:br>
-            <a:r>
-              <a:rPr kumimoji="1" lang="en-US" altLang="zh-CN" dirty="0" smtClean="0">
-                <a:latin typeface="Microsoft YaHei Light" charset="-122"/>
-                <a:ea typeface="Microsoft YaHei Light" charset="-122"/>
-                <a:cs typeface="Microsoft YaHei Light" charset="-122"/>
-              </a:rPr>
-              <a:t>Alex</a:t>
-            </a:r>
-            <a:r>
-              <a:rPr kumimoji="1" lang="zh-CN" altLang="en-US" dirty="0" smtClean="0">
-                <a:latin typeface="Microsoft YaHei Light" charset="-122"/>
-                <a:ea typeface="Microsoft YaHei Light" charset="-122"/>
-                <a:cs typeface="Microsoft YaHei Light" charset="-122"/>
-              </a:rPr>
-              <a:t>网</a:t>
+              <a:t> long ,has introduce CNN to you ,now I’m going to talk about 3 important network ,based on CNN</a:t>
             </a:r>
             <a:endParaRPr kumimoji="1" lang="zh-CN" altLang="en-US" dirty="0">
               <a:latin typeface="Microsoft YaHei Light" charset="-122"/>
@@ -3170,397 +3172,16 @@
           </a:p>
         </p:txBody>
       </p:sp>
-      <p:sp>
-        <p:nvSpPr>
-          <p:cNvPr id="3" name="内容占位符 2"/>
-          <p:cNvSpPr>
-            <a:spLocks noGrp="1"/>
-          </p:cNvSpPr>
-          <p:nvPr>
-            <p:ph idx="1"/>
-          </p:nvPr>
-        </p:nvSpPr>
-        <p:spPr>
-          <a:xfrm>
-            <a:off x="838200" y="1825625"/>
-            <a:ext cx="10515600" cy="4351338"/>
-          </a:xfrm>
-        </p:spPr>
-        <p:txBody>
-          <a:bodyPr>
-            <a:normAutofit/>
-          </a:bodyPr>
-          <a:lstStyle/>
-          <a:p>
-            <a:r>
-              <a:rPr lang="en-US" altLang="zh-CN" dirty="0" err="1" smtClean="0">
-                <a:latin typeface="Microsoft YaHei Light" charset="-122"/>
-                <a:ea typeface="Microsoft YaHei Light" charset="-122"/>
-                <a:cs typeface="Microsoft YaHei Light" charset="-122"/>
-              </a:rPr>
-              <a:t>First</a:t>
-            </a:r>
-            <a:r>
-              <a:rPr lang="en-US" altLang="zh-CN" dirty="0" err="1">
-                <a:latin typeface="Microsoft YaHei Light" charset="-122"/>
-                <a:ea typeface="Microsoft YaHei Light" charset="-122"/>
-                <a:cs typeface="Microsoft YaHei Light" charset="-122"/>
-              </a:rPr>
-              <a:t>,</a:t>
-            </a:r>
-            <a:r>
-              <a:rPr lang="en-US" altLang="zh-CN" dirty="0" err="1" smtClean="0">
-                <a:latin typeface="Microsoft YaHei Light" charset="-122"/>
-                <a:ea typeface="Microsoft YaHei Light" charset="-122"/>
-                <a:cs typeface="Microsoft YaHei Light" charset="-122"/>
-              </a:rPr>
-              <a:t>The</a:t>
-            </a:r>
-            <a:r>
-              <a:rPr lang="en-US" altLang="zh-CN" dirty="0" smtClean="0">
-                <a:latin typeface="Microsoft YaHei Light" charset="-122"/>
-                <a:ea typeface="Microsoft YaHei Light" charset="-122"/>
-                <a:cs typeface="Microsoft YaHei Light" charset="-122"/>
-              </a:rPr>
-              <a:t> 8-layer Net---</a:t>
-            </a:r>
-            <a:r>
-              <a:rPr lang="en-US" altLang="zh-CN" dirty="0" err="1" smtClean="0">
-                <a:latin typeface="Microsoft YaHei Light" charset="-122"/>
-                <a:ea typeface="Microsoft YaHei Light" charset="-122"/>
-                <a:cs typeface="Microsoft YaHei Light" charset="-122"/>
-              </a:rPr>
-              <a:t>AlexNet,It</a:t>
-            </a:r>
-            <a:r>
-              <a:rPr lang="en-US" altLang="zh-CN" dirty="0" smtClean="0">
-                <a:latin typeface="Microsoft YaHei Light" charset="-122"/>
-                <a:ea typeface="Microsoft YaHei Light" charset="-122"/>
-                <a:cs typeface="Microsoft YaHei Light" charset="-122"/>
-              </a:rPr>
-              <a:t> Came out from ILSVRC</a:t>
-            </a:r>
-            <a:r>
-              <a:rPr lang="zh-CN" altLang="en-US" dirty="0" smtClean="0">
-                <a:latin typeface="Microsoft YaHei Light" charset="-122"/>
-                <a:ea typeface="Microsoft YaHei Light" charset="-122"/>
-                <a:cs typeface="Microsoft YaHei Light" charset="-122"/>
-              </a:rPr>
-              <a:t>（</a:t>
-            </a:r>
-            <a:r>
-              <a:rPr lang="en-US" altLang="zh-CN" dirty="0" smtClean="0">
-                <a:latin typeface="Microsoft YaHei Light" charset="-122"/>
-                <a:ea typeface="Microsoft YaHei Light" charset="-122"/>
-                <a:cs typeface="Microsoft YaHei Light" charset="-122"/>
-              </a:rPr>
-              <a:t>ImageNet</a:t>
-            </a:r>
-            <a:r>
-              <a:rPr lang="zh-CN" altLang="en-US" dirty="0">
-                <a:latin typeface="Microsoft YaHei Light" charset="-122"/>
-                <a:ea typeface="Microsoft YaHei Light" charset="-122"/>
-                <a:cs typeface="Microsoft YaHei Light" charset="-122"/>
-              </a:rPr>
-              <a:t>的图像识别</a:t>
-            </a:r>
-            <a:r>
-              <a:rPr lang="zh-CN" altLang="en-US" dirty="0" smtClean="0">
-                <a:latin typeface="Microsoft YaHei Light" charset="-122"/>
-                <a:ea typeface="Microsoft YaHei Light" charset="-122"/>
-                <a:cs typeface="Microsoft YaHei Light" charset="-122"/>
-              </a:rPr>
-              <a:t>竞赛）</a:t>
-            </a:r>
-            <a:r>
-              <a:rPr lang="en-US" altLang="zh-CN" dirty="0" smtClean="0">
-                <a:latin typeface="Microsoft YaHei Light" charset="-122"/>
-                <a:ea typeface="Microsoft YaHei Light" charset="-122"/>
-                <a:cs typeface="Microsoft YaHei Light" charset="-122"/>
-              </a:rPr>
-              <a:t> 2012 and win the </a:t>
-            </a:r>
-            <a:r>
-              <a:rPr lang="en-US" altLang="zh-CN" dirty="0" err="1" smtClean="0">
-                <a:latin typeface="Microsoft YaHei Light" charset="-122"/>
-                <a:ea typeface="Microsoft YaHei Light" charset="-122"/>
-                <a:cs typeface="Microsoft YaHei Light" charset="-122"/>
-              </a:rPr>
-              <a:t>champion,because,it</a:t>
-            </a:r>
-            <a:r>
-              <a:rPr lang="en-US" altLang="zh-CN" dirty="0" smtClean="0">
-                <a:latin typeface="Microsoft YaHei Light" charset="-122"/>
-                <a:ea typeface="Microsoft YaHei Light" charset="-122"/>
-                <a:cs typeface="Microsoft YaHei Light" charset="-122"/>
-              </a:rPr>
-              <a:t> reduce the error rate to 16.4%,Which</a:t>
-            </a:r>
-            <a:r>
-              <a:rPr lang="zh-CN" altLang="en-US" dirty="0" smtClean="0">
-                <a:latin typeface="Microsoft YaHei Light" charset="-122"/>
-                <a:ea typeface="Microsoft YaHei Light" charset="-122"/>
-                <a:cs typeface="Microsoft YaHei Light" charset="-122"/>
-              </a:rPr>
-              <a:t> </a:t>
-            </a:r>
-            <a:r>
-              <a:rPr lang="en-US" altLang="zh-CN" dirty="0" smtClean="0">
-                <a:latin typeface="Microsoft YaHei Light" charset="-122"/>
-                <a:ea typeface="Microsoft YaHei Light" charset="-122"/>
-                <a:cs typeface="Microsoft YaHei Light" charset="-122"/>
-              </a:rPr>
-              <a:t>is</a:t>
-            </a:r>
-            <a:r>
-              <a:rPr lang="zh-CN" altLang="en-US" dirty="0" smtClean="0">
-                <a:latin typeface="Microsoft YaHei Light" charset="-122"/>
-                <a:ea typeface="Microsoft YaHei Light" charset="-122"/>
-                <a:cs typeface="Microsoft YaHei Light" charset="-122"/>
-              </a:rPr>
-              <a:t> </a:t>
-            </a:r>
-            <a:r>
-              <a:rPr lang="en-US" altLang="zh-CN" dirty="0" smtClean="0">
-                <a:latin typeface="Microsoft YaHei Light" charset="-122"/>
-                <a:ea typeface="Microsoft YaHei Light" charset="-122"/>
-                <a:cs typeface="Microsoft YaHei Light" charset="-122"/>
-              </a:rPr>
-              <a:t>a huge progress.</a:t>
-            </a:r>
-            <a:endParaRPr lang="zh-CN" altLang="en-US" dirty="0">
-              <a:latin typeface="Microsoft YaHei Light" charset="-122"/>
-              <a:ea typeface="Microsoft YaHei Light" charset="-122"/>
-              <a:cs typeface="Microsoft YaHei Light" charset="-122"/>
-            </a:endParaRPr>
-          </a:p>
-          <a:p>
-            <a:r>
-              <a:rPr lang="en-US" altLang="zh-CN" dirty="0" smtClean="0">
-                <a:latin typeface="Microsoft YaHei Light" charset="-122"/>
-                <a:ea typeface="Microsoft YaHei Light" charset="-122"/>
-                <a:cs typeface="Microsoft YaHei Light" charset="-122"/>
-              </a:rPr>
-              <a:t>It</a:t>
-            </a:r>
-            <a:r>
-              <a:rPr lang="zh-CN" altLang="en-US" dirty="0" smtClean="0">
-                <a:latin typeface="Microsoft YaHei Light" charset="-122"/>
-                <a:ea typeface="Microsoft YaHei Light" charset="-122"/>
-                <a:cs typeface="Microsoft YaHei Light" charset="-122"/>
-              </a:rPr>
-              <a:t> </a:t>
-            </a:r>
-            <a:r>
-              <a:rPr lang="en-US" altLang="zh-CN" dirty="0" smtClean="0">
-                <a:latin typeface="Microsoft YaHei Light" charset="-122"/>
-                <a:ea typeface="Microsoft YaHei Light" charset="-122"/>
-                <a:cs typeface="Microsoft YaHei Light" charset="-122"/>
-              </a:rPr>
-              <a:t>is</a:t>
-            </a:r>
-            <a:r>
-              <a:rPr lang="zh-CN" altLang="en-US" dirty="0" smtClean="0">
-                <a:latin typeface="Microsoft YaHei Light" charset="-122"/>
-                <a:ea typeface="Microsoft YaHei Light" charset="-122"/>
-                <a:cs typeface="Microsoft YaHei Light" charset="-122"/>
-              </a:rPr>
-              <a:t> </a:t>
-            </a:r>
-            <a:r>
-              <a:rPr lang="en-US" altLang="zh-CN" dirty="0" smtClean="0">
-                <a:latin typeface="Microsoft YaHei Light" charset="-122"/>
-                <a:ea typeface="Microsoft YaHei Light" charset="-122"/>
-                <a:cs typeface="Microsoft YaHei Light" charset="-122"/>
-              </a:rPr>
-              <a:t>very</a:t>
-            </a:r>
-            <a:r>
-              <a:rPr lang="zh-CN" altLang="en-US" dirty="0" smtClean="0">
-                <a:latin typeface="Microsoft YaHei Light" charset="-122"/>
-                <a:ea typeface="Microsoft YaHei Light" charset="-122"/>
-                <a:cs typeface="Microsoft YaHei Light" charset="-122"/>
-              </a:rPr>
-              <a:t> </a:t>
-            </a:r>
-            <a:r>
-              <a:rPr lang="en-US" altLang="zh-CN" dirty="0" smtClean="0">
-                <a:latin typeface="Microsoft YaHei Light" charset="-122"/>
-                <a:ea typeface="Microsoft YaHei Light" charset="-122"/>
-                <a:cs typeface="Microsoft YaHei Light" charset="-122"/>
-              </a:rPr>
-              <a:t>important because it </a:t>
-            </a:r>
-            <a:r>
-              <a:rPr lang="en-US" altLang="zh-CN" dirty="0">
-                <a:latin typeface="Microsoft YaHei Light" charset="-122"/>
-                <a:ea typeface="Microsoft YaHei Light" charset="-122"/>
-                <a:cs typeface="Microsoft YaHei Light" charset="-122"/>
-              </a:rPr>
-              <a:t>p</a:t>
-            </a:r>
-            <a:r>
-              <a:rPr lang="en-US" altLang="zh-CN" dirty="0" smtClean="0">
-                <a:latin typeface="Microsoft YaHei Light" charset="-122"/>
-                <a:ea typeface="Microsoft YaHei Light" charset="-122"/>
-                <a:cs typeface="Microsoft YaHei Light" charset="-122"/>
-              </a:rPr>
-              <a:t>roved that CNN</a:t>
-            </a:r>
-            <a:r>
-              <a:rPr lang="zh-CN" altLang="en-US" dirty="0" smtClean="0">
-                <a:latin typeface="Microsoft YaHei Light" charset="-122"/>
-                <a:ea typeface="Microsoft YaHei Light" charset="-122"/>
-                <a:cs typeface="Microsoft YaHei Light" charset="-122"/>
-              </a:rPr>
-              <a:t> </a:t>
-            </a:r>
-            <a:r>
-              <a:rPr lang="en-US" altLang="zh-CN" dirty="0" smtClean="0">
-                <a:latin typeface="Microsoft YaHei Light" charset="-122"/>
-                <a:ea typeface="Microsoft YaHei Light" charset="-122"/>
-                <a:cs typeface="Microsoft YaHei Light" charset="-122"/>
-              </a:rPr>
-              <a:t>can be use in a </a:t>
-            </a:r>
-            <a:r>
-              <a:rPr lang="en-US" altLang="zh-CN" dirty="0" err="1" smtClean="0">
-                <a:latin typeface="Microsoft YaHei Light" charset="-122"/>
-                <a:ea typeface="Microsoft YaHei Light" charset="-122"/>
-                <a:cs typeface="Microsoft YaHei Light" charset="-122"/>
-              </a:rPr>
-              <a:t>deep,wide</a:t>
-            </a:r>
-            <a:r>
-              <a:rPr lang="en-US" altLang="zh-CN" dirty="0" smtClean="0">
-                <a:latin typeface="Microsoft YaHei Light" charset="-122"/>
-                <a:ea typeface="Microsoft YaHei Light" charset="-122"/>
-                <a:cs typeface="Microsoft YaHei Light" charset="-122"/>
-              </a:rPr>
-              <a:t> Net and is very powerful in Computer Vision. it also advance</a:t>
-            </a:r>
-            <a:r>
-              <a:rPr lang="zh-CN" altLang="en-US" dirty="0" smtClean="0">
-                <a:latin typeface="Microsoft YaHei Light" charset="-122"/>
-                <a:ea typeface="Microsoft YaHei Light" charset="-122"/>
-                <a:cs typeface="Microsoft YaHei Light" charset="-122"/>
-              </a:rPr>
-              <a:t> </a:t>
-            </a:r>
-            <a:r>
-              <a:rPr lang="en-US" altLang="zh-CN" dirty="0" smtClean="0">
-                <a:latin typeface="Microsoft YaHei Light" charset="-122"/>
-                <a:ea typeface="Microsoft YaHei Light" charset="-122"/>
-                <a:cs typeface="Microsoft YaHei Light" charset="-122"/>
-              </a:rPr>
-              <a:t>the</a:t>
-            </a:r>
-            <a:r>
-              <a:rPr lang="zh-CN" altLang="en-US" dirty="0" smtClean="0">
-                <a:latin typeface="Microsoft YaHei Light" charset="-122"/>
-                <a:ea typeface="Microsoft YaHei Light" charset="-122"/>
-                <a:cs typeface="Microsoft YaHei Light" charset="-122"/>
-              </a:rPr>
-              <a:t> </a:t>
-            </a:r>
-            <a:r>
-              <a:rPr lang="en-US" altLang="zh-CN" dirty="0" smtClean="0">
-                <a:latin typeface="Microsoft YaHei Light" charset="-122"/>
-                <a:ea typeface="Microsoft YaHei Light" charset="-122"/>
-                <a:cs typeface="Microsoft YaHei Light" charset="-122"/>
-              </a:rPr>
-              <a:t>usage</a:t>
-            </a:r>
-            <a:r>
-              <a:rPr lang="zh-CN" altLang="en-US" dirty="0" smtClean="0">
-                <a:latin typeface="Microsoft YaHei Light" charset="-122"/>
-                <a:ea typeface="Microsoft YaHei Light" charset="-122"/>
-                <a:cs typeface="Microsoft YaHei Light" charset="-122"/>
-              </a:rPr>
-              <a:t> </a:t>
-            </a:r>
-            <a:r>
-              <a:rPr lang="en-US" altLang="zh-CN" dirty="0" smtClean="0">
-                <a:latin typeface="Microsoft YaHei Light" charset="-122"/>
-                <a:ea typeface="Microsoft YaHei Light" charset="-122"/>
-                <a:cs typeface="Microsoft YaHei Light" charset="-122"/>
-              </a:rPr>
-              <a:t>of CNN in Speech </a:t>
-            </a:r>
-            <a:r>
-              <a:rPr lang="en-US" altLang="zh-CN" dirty="0" err="1" smtClean="0">
-                <a:latin typeface="Microsoft YaHei Light" charset="-122"/>
-                <a:ea typeface="Microsoft YaHei Light" charset="-122"/>
-                <a:cs typeface="Microsoft YaHei Light" charset="-122"/>
-              </a:rPr>
-              <a:t>Recognition,Nature</a:t>
-            </a:r>
-            <a:r>
-              <a:rPr lang="en-US" altLang="zh-CN" dirty="0" smtClean="0">
-                <a:latin typeface="Microsoft YaHei Light" charset="-122"/>
-                <a:ea typeface="Microsoft YaHei Light" charset="-122"/>
-                <a:cs typeface="Microsoft YaHei Light" charset="-122"/>
-              </a:rPr>
-              <a:t> Language process and many other </a:t>
-            </a:r>
-            <a:r>
-              <a:rPr lang="en-US" altLang="zh-CN" dirty="0" err="1" smtClean="0">
-                <a:latin typeface="Microsoft YaHei Light" charset="-122"/>
-                <a:ea typeface="Microsoft YaHei Light" charset="-122"/>
-                <a:cs typeface="Microsoft YaHei Light" charset="-122"/>
-              </a:rPr>
-              <a:t>field.It</a:t>
-            </a:r>
-            <a:r>
-              <a:rPr lang="en-US" altLang="zh-CN" dirty="0" smtClean="0">
-                <a:latin typeface="Microsoft YaHei Light" charset="-122"/>
-                <a:ea typeface="Microsoft YaHei Light" charset="-122"/>
-                <a:cs typeface="Microsoft YaHei Light" charset="-122"/>
-              </a:rPr>
-              <a:t> also use GPU to make Calculate </a:t>
-            </a:r>
-            <a:r>
-              <a:rPr lang="en-US" altLang="zh-CN" dirty="0" err="1" smtClean="0">
-                <a:latin typeface="Microsoft YaHei Light" charset="-122"/>
-                <a:ea typeface="Microsoft YaHei Light" charset="-122"/>
-                <a:cs typeface="Microsoft YaHei Light" charset="-122"/>
-              </a:rPr>
-              <a:t>faster,which</a:t>
-            </a:r>
-            <a:r>
-              <a:rPr lang="en-US" altLang="zh-CN" dirty="0" smtClean="0">
-                <a:latin typeface="Microsoft YaHei Light" charset="-122"/>
-                <a:ea typeface="Microsoft YaHei Light" charset="-122"/>
-                <a:cs typeface="Microsoft YaHei Light" charset="-122"/>
-              </a:rPr>
-              <a:t> has become popular today.</a:t>
-            </a:r>
-          </a:p>
-          <a:p>
-            <a:endParaRPr lang="zh-CN" altLang="en-US" dirty="0"/>
-          </a:p>
-          <a:p>
-            <a:endParaRPr kumimoji="1" lang="zh-CN" altLang="en-US" dirty="0"/>
-          </a:p>
-        </p:txBody>
-      </p:sp>
     </p:spTree>
     <p:extLst>
       <p:ext uri="{BB962C8B-B14F-4D97-AF65-F5344CB8AC3E}">
-        <p14:creationId xmlns:p14="http://schemas.microsoft.com/office/powerpoint/2010/main" val="1270010723"/>
+        <p14:creationId xmlns:p14="http://schemas.microsoft.com/office/powerpoint/2010/main" val="475775874"/>
       </p:ext>
     </p:extLst>
   </p:cSld>
   <p:clrMapOvr>
     <a:masterClrMapping/>
   </p:clrMapOvr>
-  <p:timing>
-    <p:tnLst>
-      <p:par>
-        <p:cTn id="1" dur="indefinite" restart="never" nodeType="tmRoot"/>
-      </p:par>
-    </p:tnLst>
-  </p:timing>
 </p:sld>
 </file>
 
@@ -3602,7 +3223,15 @@
                 <a:ea typeface="Microsoft YaHei Light" charset="-122"/>
                 <a:cs typeface="Microsoft YaHei Light" charset="-122"/>
               </a:rPr>
-              <a:t>ResNet</a:t>
+              <a:t>AlexNet</a:t>
+            </a:r>
+            <a:r>
+              <a:rPr kumimoji="1" lang="zh-CN" altLang="en-US" dirty="0" smtClean="0">
+                <a:latin typeface="Microsoft YaHei Light" charset="-122"/>
+                <a:ea typeface="Microsoft YaHei Light" charset="-122"/>
+                <a:cs typeface="Microsoft YaHei Light" charset="-122"/>
+              </a:rPr>
+              <a:t> </a:t>
             </a:r>
             <a:r>
               <a:rPr kumimoji="1" lang="en-US" altLang="zh-CN" dirty="0" smtClean="0">
@@ -3610,7 +3239,7 @@
                 <a:ea typeface="Microsoft YaHei Light" charset="-122"/>
                 <a:cs typeface="Microsoft YaHei Light" charset="-122"/>
               </a:rPr>
-              <a:t> </a:t>
+              <a:t/>
             </a:r>
             <a:br>
               <a:rPr kumimoji="1" lang="en-US" altLang="zh-CN" dirty="0" smtClean="0">
@@ -3620,12 +3249,20 @@
               </a:rPr>
             </a:br>
             <a:r>
+              <a:rPr kumimoji="1" lang="en-US" altLang="zh-CN" dirty="0" smtClean="0">
+                <a:latin typeface="Microsoft YaHei Light" charset="-122"/>
+                <a:ea typeface="Microsoft YaHei Light" charset="-122"/>
+                <a:cs typeface="Microsoft YaHei Light" charset="-122"/>
+              </a:rPr>
+              <a:t>Alex</a:t>
+            </a:r>
+            <a:r>
               <a:rPr kumimoji="1" lang="zh-CN" altLang="en-US" dirty="0" smtClean="0">
                 <a:latin typeface="Microsoft YaHei Light" charset="-122"/>
                 <a:ea typeface="Microsoft YaHei Light" charset="-122"/>
                 <a:cs typeface="Microsoft YaHei Light" charset="-122"/>
               </a:rPr>
-              <a:t>深度残差网络</a:t>
+              <a:t>网</a:t>
             </a:r>
             <a:endParaRPr kumimoji="1" lang="zh-CN" altLang="en-US" dirty="0">
               <a:latin typeface="Microsoft YaHei Light" charset="-122"/>
@@ -3647,23 +3284,47 @@
         </p:nvSpPr>
         <p:spPr>
           <a:xfrm>
-            <a:off x="838199" y="1825625"/>
-            <a:ext cx="9864969" cy="4351338"/>
+            <a:off x="838200" y="1825625"/>
+            <a:ext cx="10515600" cy="4351338"/>
           </a:xfrm>
         </p:spPr>
         <p:txBody>
           <a:bodyPr>
-            <a:normAutofit lnSpcReduction="10000"/>
+            <a:normAutofit/>
           </a:bodyPr>
           <a:lstStyle/>
           <a:p>
             <a:r>
+              <a:rPr lang="en-US" altLang="zh-CN" dirty="0" err="1" smtClean="0">
+                <a:latin typeface="Microsoft YaHei Light" charset="-122"/>
+                <a:ea typeface="Microsoft YaHei Light" charset="-122"/>
+                <a:cs typeface="Microsoft YaHei Light" charset="-122"/>
+              </a:rPr>
+              <a:t>First</a:t>
+            </a:r>
+            <a:r>
+              <a:rPr lang="en-US" altLang="zh-CN" dirty="0" err="1">
+                <a:latin typeface="Microsoft YaHei Light" charset="-122"/>
+                <a:ea typeface="Microsoft YaHei Light" charset="-122"/>
+                <a:cs typeface="Microsoft YaHei Light" charset="-122"/>
+              </a:rPr>
+              <a:t>,</a:t>
+            </a:r>
+            <a:r>
+              <a:rPr lang="en-US" altLang="zh-CN" dirty="0" err="1" smtClean="0">
+                <a:latin typeface="Microsoft YaHei Light" charset="-122"/>
+                <a:ea typeface="Microsoft YaHei Light" charset="-122"/>
+                <a:cs typeface="Microsoft YaHei Light" charset="-122"/>
+              </a:rPr>
+              <a:t>The</a:t>
+            </a:r>
+            <a:r>
               <a:rPr lang="en-US" altLang="zh-CN" dirty="0" smtClean="0">
                 <a:latin typeface="Microsoft YaHei Light" charset="-122"/>
                 <a:ea typeface="Microsoft YaHei Light" charset="-122"/>
                 <a:cs typeface="Microsoft YaHei Light" charset="-122"/>
               </a:rPr>
-              <a:t>Next one is </a:t>
+              <a:t> 8-layer Net---</a:t>
             </a:r>
             <a:r>
               <a:rPr lang="en-US" altLang="zh-CN" dirty="0" err="1" smtClean="0">
@@ -3671,7 +3332,15 @@
                 <a:ea typeface="Microsoft YaHei Light" charset="-122"/>
                 <a:cs typeface="Microsoft YaHei Light" charset="-122"/>
               </a:rPr>
-              <a:t>ResNet,ResNet</a:t>
+              <a:t>AlexNet,It</a:t>
+            </a:r>
+            <a:r>
+              <a:rPr lang="en-US" altLang="zh-CN" dirty="0" smtClean="0">
+                <a:latin typeface="Microsoft YaHei Light" charset="-122"/>
+                <a:ea typeface="Microsoft YaHei Light" charset="-122"/>
+                <a:cs typeface="Microsoft YaHei Light" charset="-122"/>
+              </a:rPr>
+              <a:t> Came out from ILSVRC</a:t>
             </a:r>
             <a:r>
               <a:rPr lang="zh-CN" altLang="en-US" dirty="0" smtClean="0">
@@ -3679,6 +3348,62 @@
                 <a:ea typeface="Microsoft YaHei Light" charset="-122"/>
                 <a:cs typeface="Microsoft YaHei Light" charset="-122"/>
               </a:rPr>
+              <a:t>（</a:t>
+            </a:r>
+            <a:r>
+              <a:rPr lang="en-US" altLang="zh-CN" dirty="0" smtClean="0">
+                <a:latin typeface="Microsoft YaHei Light" charset="-122"/>
+                <a:ea typeface="Microsoft YaHei Light" charset="-122"/>
+                <a:cs typeface="Microsoft YaHei Light" charset="-122"/>
+              </a:rPr>
+              <a:t>ImageNet</a:t>
+            </a:r>
+            <a:r>
+              <a:rPr lang="zh-CN" altLang="en-US" dirty="0">
+                <a:latin typeface="Microsoft YaHei Light" charset="-122"/>
+                <a:ea typeface="Microsoft YaHei Light" charset="-122"/>
+                <a:cs typeface="Microsoft YaHei Light" charset="-122"/>
+              </a:rPr>
+              <a:t>的图像识别</a:t>
+            </a:r>
+            <a:r>
+              <a:rPr lang="zh-CN" altLang="en-US" dirty="0" smtClean="0">
+                <a:latin typeface="Microsoft YaHei Light" charset="-122"/>
+                <a:ea typeface="Microsoft YaHei Light" charset="-122"/>
+                <a:cs typeface="Microsoft YaHei Light" charset="-122"/>
+              </a:rPr>
+              <a:t>竞赛）</a:t>
+            </a:r>
+            <a:r>
+              <a:rPr lang="en-US" altLang="zh-CN" dirty="0" smtClean="0">
+                <a:latin typeface="Microsoft YaHei Light" charset="-122"/>
+                <a:ea typeface="Microsoft YaHei Light" charset="-122"/>
+                <a:cs typeface="Microsoft YaHei Light" charset="-122"/>
+              </a:rPr>
+              <a:t> 2012 and win the </a:t>
+            </a:r>
+            <a:r>
+              <a:rPr lang="en-US" altLang="zh-CN" dirty="0" err="1" smtClean="0">
+                <a:latin typeface="Microsoft YaHei Light" charset="-122"/>
+                <a:ea typeface="Microsoft YaHei Light" charset="-122"/>
+                <a:cs typeface="Microsoft YaHei Light" charset="-122"/>
+              </a:rPr>
+              <a:t>champion,because,it</a:t>
+            </a:r>
+            <a:r>
+              <a:rPr lang="en-US" altLang="zh-CN" dirty="0" smtClean="0">
+                <a:latin typeface="Microsoft YaHei Light" charset="-122"/>
+                <a:ea typeface="Microsoft YaHei Light" charset="-122"/>
+                <a:cs typeface="Microsoft YaHei Light" charset="-122"/>
+              </a:rPr>
+              <a:t> reduce the error rate to 16.4%,Which</a:t>
+            </a:r>
+            <a:r>
+              <a:rPr lang="zh-CN" altLang="en-US" dirty="0" smtClean="0">
+                <a:latin typeface="Microsoft YaHei Light" charset="-122"/>
+                <a:ea typeface="Microsoft YaHei Light" charset="-122"/>
+                <a:cs typeface="Microsoft YaHei Light" charset="-122"/>
+              </a:rPr>
               <a:t> </a:t>
             </a:r>
             <a:r>
@@ -3687,7 +3412,7 @@
                 <a:ea typeface="Microsoft YaHei Light" charset="-122"/>
                 <a:cs typeface="Microsoft YaHei Light" charset="-122"/>
               </a:rPr>
-              <a:t>won the first place in both ILSVRC 2015 and COCO 2015</a:t>
+              <a:t>is</a:t>
             </a:r>
             <a:r>
               <a:rPr lang="zh-CN" altLang="en-US" dirty="0" smtClean="0">
@@ -3695,7 +3420,7 @@
                 <a:ea typeface="Microsoft YaHei Light" charset="-122"/>
                 <a:cs typeface="Microsoft YaHei Light" charset="-122"/>
               </a:rPr>
-              <a:t>（也是一个图像识别比赛）</a:t>
+              <a:t> </a:t>
             </a:r>
             <a:r>
               <a:rPr lang="en-US" altLang="zh-CN" dirty="0" smtClean="0">
@@ -3703,7 +3428,102 @@
                 <a:ea typeface="Microsoft YaHei Light" charset="-122"/>
                 <a:cs typeface="Microsoft YaHei Light" charset="-122"/>
               </a:rPr>
-              <a:t>,In ILSVRC 2015,the MSRA team use a 152-layers </a:t>
+              <a:t>a huge progress.</a:t>
+            </a:r>
+            <a:endParaRPr lang="zh-CN" altLang="en-US" dirty="0">
+              <a:latin typeface="Microsoft YaHei Light" charset="-122"/>
+              <a:ea typeface="Microsoft YaHei Light" charset="-122"/>
+              <a:cs typeface="Microsoft YaHei Light" charset="-122"/>
+            </a:endParaRPr>
+          </a:p>
+          <a:p>
+            <a:r>
+              <a:rPr lang="en-US" altLang="zh-CN" dirty="0" smtClean="0">
+                <a:latin typeface="Microsoft YaHei Light" charset="-122"/>
+                <a:ea typeface="Microsoft YaHei Light" charset="-122"/>
+                <a:cs typeface="Microsoft YaHei Light" charset="-122"/>
+              </a:rPr>
+              <a:t>It</a:t>
+            </a:r>
+            <a:r>
+              <a:rPr lang="zh-CN" altLang="en-US" dirty="0" smtClean="0">
+                <a:latin typeface="Microsoft YaHei Light" charset="-122"/>
+                <a:ea typeface="Microsoft YaHei Light" charset="-122"/>
+                <a:cs typeface="Microsoft YaHei Light" charset="-122"/>
+              </a:rPr>
+              <a:t> </a:t>
+            </a:r>
+            <a:r>
+              <a:rPr lang="en-US" altLang="zh-CN" dirty="0" smtClean="0">
+                <a:latin typeface="Microsoft YaHei Light" charset="-122"/>
+                <a:ea typeface="Microsoft YaHei Light" charset="-122"/>
+                <a:cs typeface="Microsoft YaHei Light" charset="-122"/>
+              </a:rPr>
+              <a:t>is</a:t>
+            </a:r>
+            <a:r>
+              <a:rPr lang="zh-CN" altLang="en-US" dirty="0" smtClean="0">
+                <a:latin typeface="Microsoft YaHei Light" charset="-122"/>
+                <a:ea typeface="Microsoft YaHei Light" charset="-122"/>
+                <a:cs typeface="Microsoft YaHei Light" charset="-122"/>
+              </a:rPr>
+              <a:t> </a:t>
+            </a:r>
+            <a:r>
+              <a:rPr lang="en-US" altLang="zh-CN" dirty="0" smtClean="0">
+                <a:latin typeface="Microsoft YaHei Light" charset="-122"/>
+                <a:ea typeface="Microsoft YaHei Light" charset="-122"/>
+                <a:cs typeface="Microsoft YaHei Light" charset="-122"/>
+              </a:rPr>
+              <a:t>very</a:t>
+            </a:r>
+            <a:r>
+              <a:rPr lang="zh-CN" altLang="en-US" dirty="0" smtClean="0">
+                <a:latin typeface="Microsoft YaHei Light" charset="-122"/>
+                <a:ea typeface="Microsoft YaHei Light" charset="-122"/>
+                <a:cs typeface="Microsoft YaHei Light" charset="-122"/>
+              </a:rPr>
+              <a:t> </a:t>
+            </a:r>
+            <a:r>
+              <a:rPr lang="en-US" altLang="zh-CN" dirty="0" smtClean="0">
+                <a:latin typeface="Microsoft YaHei Light" charset="-122"/>
+                <a:ea typeface="Microsoft YaHei Light" charset="-122"/>
+                <a:cs typeface="Microsoft YaHei Light" charset="-122"/>
+              </a:rPr>
+              <a:t>important because it </a:t>
+            </a:r>
+            <a:r>
+              <a:rPr lang="en-US" altLang="zh-CN" dirty="0">
+                <a:latin typeface="Microsoft YaHei Light" charset="-122"/>
+                <a:ea typeface="Microsoft YaHei Light" charset="-122"/>
+                <a:cs typeface="Microsoft YaHei Light" charset="-122"/>
+              </a:rPr>
+              <a:t>p</a:t>
+            </a:r>
+            <a:r>
+              <a:rPr lang="en-US" altLang="zh-CN" dirty="0" smtClean="0">
+                <a:latin typeface="Microsoft YaHei Light" charset="-122"/>
+                <a:ea typeface="Microsoft YaHei Light" charset="-122"/>
+                <a:cs typeface="Microsoft YaHei Light" charset="-122"/>
+              </a:rPr>
+              <a:t>roved that CNN</a:t>
+            </a:r>
+            <a:r>
+              <a:rPr lang="zh-CN" altLang="en-US" dirty="0" smtClean="0">
+                <a:latin typeface="Microsoft YaHei Light" charset="-122"/>
+                <a:ea typeface="Microsoft YaHei Light" charset="-122"/>
+                <a:cs typeface="Microsoft YaHei Light" charset="-122"/>
+              </a:rPr>
+              <a:t> </a:t>
+            </a:r>
+            <a:r>
+              <a:rPr lang="en-US" altLang="zh-CN" dirty="0" smtClean="0">
+                <a:latin typeface="Microsoft YaHei Light" charset="-122"/>
+                <a:ea typeface="Microsoft YaHei Light" charset="-122"/>
+                <a:cs typeface="Microsoft YaHei Light" charset="-122"/>
+              </a:rPr>
+              <a:t>can be use in a </a:t>
             </a:r>
             <a:r>
               <a:rPr lang="en-US" altLang="zh-CN" dirty="0" err="1" smtClean="0">
@@ -3711,7 +3531,7 @@
                 <a:ea typeface="Microsoft YaHei Light" charset="-122"/>
                 <a:cs typeface="Microsoft YaHei Light" charset="-122"/>
               </a:rPr>
-              <a:t>ResNet</a:t>
+              <a:t>deep,wide</a:t>
             </a:r>
             <a:r>
               <a:rPr lang="en-US" altLang="zh-CN" dirty="0" smtClean="0">
@@ -3719,7 +3539,71 @@
                 <a:ea typeface="Microsoft YaHei Light" charset="-122"/>
                 <a:cs typeface="Microsoft YaHei Light" charset="-122"/>
               </a:rPr>
-              <a:t> and reduce the error rate to 3.57%.It is a simple and clear framework to train a very deep </a:t>
+              <a:t> </a:t>
+            </a:r>
+            <a:r>
+              <a:rPr lang="en-US" altLang="zh-CN" dirty="0" smtClean="0">
+                <a:latin typeface="Microsoft YaHei Light" charset="-122"/>
+                <a:ea typeface="Microsoft YaHei Light" charset="-122"/>
+                <a:cs typeface="Microsoft YaHei Light" charset="-122"/>
+              </a:rPr>
+              <a:t>Network </a:t>
+            </a:r>
+            <a:r>
+              <a:rPr lang="en-US" altLang="zh-CN" dirty="0" smtClean="0">
+                <a:latin typeface="Microsoft YaHei Light" charset="-122"/>
+                <a:ea typeface="Microsoft YaHei Light" charset="-122"/>
+                <a:cs typeface="Microsoft YaHei Light" charset="-122"/>
+              </a:rPr>
+              <a:t>and is very powerful in Computer Vision. it also advance</a:t>
+            </a:r>
+            <a:r>
+              <a:rPr lang="zh-CN" altLang="en-US" dirty="0" smtClean="0">
+                <a:latin typeface="Microsoft YaHei Light" charset="-122"/>
+                <a:ea typeface="Microsoft YaHei Light" charset="-122"/>
+                <a:cs typeface="Microsoft YaHei Light" charset="-122"/>
+              </a:rPr>
+              <a:t> </a:t>
+            </a:r>
+            <a:r>
+              <a:rPr lang="en-US" altLang="zh-CN" dirty="0" smtClean="0">
+                <a:latin typeface="Microsoft YaHei Light" charset="-122"/>
+                <a:ea typeface="Microsoft YaHei Light" charset="-122"/>
+                <a:cs typeface="Microsoft YaHei Light" charset="-122"/>
+              </a:rPr>
+              <a:t>the</a:t>
+            </a:r>
+            <a:r>
+              <a:rPr lang="zh-CN" altLang="en-US" dirty="0" smtClean="0">
+                <a:latin typeface="Microsoft YaHei Light" charset="-122"/>
+                <a:ea typeface="Microsoft YaHei Light" charset="-122"/>
+                <a:cs typeface="Microsoft YaHei Light" charset="-122"/>
+              </a:rPr>
+              <a:t> </a:t>
+            </a:r>
+            <a:r>
+              <a:rPr lang="en-US" altLang="zh-CN" dirty="0" smtClean="0">
+                <a:latin typeface="Microsoft YaHei Light" charset="-122"/>
+                <a:ea typeface="Microsoft YaHei Light" charset="-122"/>
+                <a:cs typeface="Microsoft YaHei Light" charset="-122"/>
+              </a:rPr>
+              <a:t>usage</a:t>
+            </a:r>
+            <a:r>
+              <a:rPr lang="zh-CN" altLang="en-US" dirty="0" smtClean="0">
+                <a:latin typeface="Microsoft YaHei Light" charset="-122"/>
+                <a:ea typeface="Microsoft YaHei Light" charset="-122"/>
+                <a:cs typeface="Microsoft YaHei Light" charset="-122"/>
+              </a:rPr>
+              <a:t> </a:t>
+            </a:r>
+            <a:r>
+              <a:rPr lang="en-US" altLang="zh-CN" dirty="0" smtClean="0">
+                <a:latin typeface="Microsoft YaHei Light" charset="-122"/>
+                <a:ea typeface="Microsoft YaHei Light" charset="-122"/>
+                <a:cs typeface="Microsoft YaHei Light" charset="-122"/>
+              </a:rPr>
+              <a:t>of CNN in Speech </a:t>
             </a:r>
             <a:r>
               <a:rPr lang="en-US" altLang="zh-CN" dirty="0" err="1" smtClean="0">
@@ -3727,7 +3611,7 @@
                 <a:ea typeface="Microsoft YaHei Light" charset="-122"/>
                 <a:cs typeface="Microsoft YaHei Light" charset="-122"/>
               </a:rPr>
-              <a:t>nets.it</a:t>
+              <a:t>Recognition,Nature</a:t>
             </a:r>
             <a:r>
               <a:rPr lang="en-US" altLang="zh-CN" dirty="0" smtClean="0">
@@ -3735,15 +3619,15 @@
                 <a:ea typeface="Microsoft YaHei Light" charset="-122"/>
                 <a:cs typeface="Microsoft YaHei Light" charset="-122"/>
               </a:rPr>
-              <a:t> have lower training error , lower test error and also ,lower time complexity</a:t>
-            </a:r>
-            <a:r>
-              <a:rPr lang="zh-CN" altLang="en-US" dirty="0" smtClean="0">
-                <a:latin typeface="Microsoft YaHei Light" charset="-122"/>
-                <a:ea typeface="Microsoft YaHei Light" charset="-122"/>
-                <a:cs typeface="Microsoft YaHei Light" charset="-122"/>
-              </a:rPr>
-              <a:t>（时间复杂度）</a:t>
+              <a:t> Language process and many other </a:t>
+            </a:r>
+            <a:r>
+              <a:rPr lang="en-US" altLang="zh-CN" dirty="0" err="1" smtClean="0">
+                <a:latin typeface="Microsoft YaHei Light" charset="-122"/>
+                <a:ea typeface="Microsoft YaHei Light" charset="-122"/>
+                <a:cs typeface="Microsoft YaHei Light" charset="-122"/>
+              </a:rPr>
+              <a:t>field.It</a:t>
             </a:r>
             <a:r>
               <a:rPr lang="en-US" altLang="zh-CN" dirty="0" smtClean="0">
@@ -3751,105 +3635,37 @@
                 <a:ea typeface="Microsoft YaHei Light" charset="-122"/>
                 <a:cs typeface="Microsoft YaHei Light" charset="-122"/>
               </a:rPr>
-              <a:t>.</a:t>
-            </a:r>
-          </a:p>
-          <a:p>
+              <a:t> also use GPU to make Calculate </a:t>
+            </a:r>
+            <a:r>
+              <a:rPr lang="en-US" altLang="zh-CN" dirty="0" err="1" smtClean="0">
+                <a:latin typeface="Microsoft YaHei Light" charset="-122"/>
+                <a:ea typeface="Microsoft YaHei Light" charset="-122"/>
+                <a:cs typeface="Microsoft YaHei Light" charset="-122"/>
+              </a:rPr>
+              <a:t>faster,which</a:t>
+            </a:r>
             <a:r>
               <a:rPr lang="en-US" altLang="zh-CN" dirty="0" smtClean="0">
                 <a:latin typeface="Microsoft YaHei Light" charset="-122"/>
                 <a:ea typeface="Microsoft YaHei Light" charset="-122"/>
                 <a:cs typeface="Microsoft YaHei Light" charset="-122"/>
               </a:rPr>
-              <a:t>This success advance the Revolution of Net Depth</a:t>
-            </a:r>
-            <a:r>
-              <a:rPr lang="zh-CN" altLang="en-US" dirty="0" smtClean="0">
-                <a:latin typeface="Microsoft YaHei Light" charset="-122"/>
-                <a:ea typeface="Microsoft YaHei Light" charset="-122"/>
-                <a:cs typeface="Microsoft YaHei Light" charset="-122"/>
-              </a:rPr>
-              <a:t> </a:t>
-            </a:r>
-            <a:r>
-              <a:rPr lang="en-US" altLang="zh-CN" dirty="0" smtClean="0">
-                <a:latin typeface="Microsoft YaHei Light" charset="-122"/>
-                <a:ea typeface="Microsoft YaHei Light" charset="-122"/>
-                <a:cs typeface="Microsoft YaHei Light" charset="-122"/>
-              </a:rPr>
-              <a:t>because</a:t>
-            </a:r>
-            <a:r>
-              <a:rPr lang="zh-CN" altLang="en-US" dirty="0" smtClean="0">
-                <a:latin typeface="Microsoft YaHei Light" charset="-122"/>
-                <a:ea typeface="Microsoft YaHei Light" charset="-122"/>
-                <a:cs typeface="Microsoft YaHei Light" charset="-122"/>
-              </a:rPr>
-              <a:t> </a:t>
-            </a:r>
-            <a:r>
-              <a:rPr lang="en-US" altLang="zh-CN" dirty="0" smtClean="0">
-                <a:latin typeface="Microsoft YaHei Light" charset="-122"/>
-                <a:ea typeface="Microsoft YaHei Light" charset="-122"/>
-                <a:cs typeface="Microsoft YaHei Light" charset="-122"/>
-              </a:rPr>
-              <a:t>if you just simple stacking layers ,you will get higher training error and test error ,but in this </a:t>
-            </a:r>
-            <a:r>
-              <a:rPr lang="en-US" altLang="zh-CN" dirty="0" err="1" smtClean="0">
-                <a:latin typeface="Microsoft YaHei Light" charset="-122"/>
-                <a:ea typeface="Microsoft YaHei Light" charset="-122"/>
-                <a:cs typeface="Microsoft YaHei Light" charset="-122"/>
-              </a:rPr>
-              <a:t>solution,you</a:t>
-            </a:r>
-            <a:r>
-              <a:rPr lang="en-US" altLang="zh-CN" dirty="0" smtClean="0">
-                <a:latin typeface="Microsoft YaHei Light" charset="-122"/>
-                <a:ea typeface="Microsoft YaHei Light" charset="-122"/>
-                <a:cs typeface="Microsoft YaHei Light" charset="-122"/>
-              </a:rPr>
-              <a:t> can actually benefit from</a:t>
-            </a:r>
-            <a:r>
-              <a:rPr lang="zh-CN" altLang="en-US" dirty="0" smtClean="0">
-                <a:latin typeface="Microsoft YaHei Light" charset="-122"/>
-                <a:ea typeface="Microsoft YaHei Light" charset="-122"/>
-                <a:cs typeface="Microsoft YaHei Light" charset="-122"/>
-              </a:rPr>
-              <a:t> </a:t>
-            </a:r>
-            <a:r>
-              <a:rPr lang="en-US" altLang="zh-CN" dirty="0" smtClean="0">
-                <a:latin typeface="Microsoft YaHei Light" charset="-122"/>
-                <a:ea typeface="Microsoft YaHei Light" charset="-122"/>
-                <a:cs typeface="Microsoft YaHei Light" charset="-122"/>
-              </a:rPr>
-              <a:t>the increased </a:t>
-            </a:r>
-            <a:r>
-              <a:rPr lang="en-US" altLang="zh-CN" dirty="0" smtClean="0">
-                <a:latin typeface="Microsoft YaHei Light" charset="-122"/>
-                <a:ea typeface="Microsoft YaHei Light" charset="-122"/>
-                <a:cs typeface="Microsoft YaHei Light" charset="-122"/>
-              </a:rPr>
-              <a:t>number </a:t>
-            </a:r>
-            <a:r>
-              <a:rPr lang="en-US" altLang="zh-CN" dirty="0" smtClean="0">
-                <a:latin typeface="Microsoft YaHei Light" charset="-122"/>
-                <a:ea typeface="Microsoft YaHei Light" charset="-122"/>
-                <a:cs typeface="Microsoft YaHei Light" charset="-122"/>
-              </a:rPr>
-              <a:t>of the layer. </a:t>
-            </a:r>
+              <a:t> has become popular today.</a:t>
+            </a:r>
+          </a:p>
+          <a:p>
+            <a:endParaRPr lang="zh-CN" altLang="en-US" dirty="0"/>
+          </a:p>
+          <a:p>
+            <a:endParaRPr kumimoji="1" lang="zh-CN" altLang="en-US" dirty="0"/>
           </a:p>
         </p:txBody>
       </p:sp>
     </p:spTree>
     <p:extLst>
       <p:ext uri="{BB962C8B-B14F-4D97-AF65-F5344CB8AC3E}">
-        <p14:creationId xmlns:p14="http://schemas.microsoft.com/office/powerpoint/2010/main" val="805644472"/>
+        <p14:creationId xmlns:p14="http://schemas.microsoft.com/office/powerpoint/2010/main" val="1270010723"/>
       </p:ext>
     </p:extLst>
   </p:cSld>
@@ -3899,6 +3715,316 @@
           <a:lstStyle/>
           <a:p>
             <a:r>
+              <a:rPr kumimoji="1" lang="en-US" altLang="zh-CN" dirty="0" err="1" smtClean="0">
+                <a:latin typeface="Microsoft YaHei Light" charset="-122"/>
+                <a:ea typeface="Microsoft YaHei Light" charset="-122"/>
+                <a:cs typeface="Microsoft YaHei Light" charset="-122"/>
+              </a:rPr>
+              <a:t>ResNet</a:t>
+            </a:r>
+            <a:r>
+              <a:rPr kumimoji="1" lang="en-US" altLang="zh-CN" dirty="0" smtClean="0">
+                <a:latin typeface="Microsoft YaHei Light" charset="-122"/>
+                <a:ea typeface="Microsoft YaHei Light" charset="-122"/>
+                <a:cs typeface="Microsoft YaHei Light" charset="-122"/>
+              </a:rPr>
+              <a:t> </a:t>
+            </a:r>
+            <a:br>
+              <a:rPr kumimoji="1" lang="en-US" altLang="zh-CN" dirty="0" smtClean="0">
+                <a:latin typeface="Microsoft YaHei Light" charset="-122"/>
+                <a:ea typeface="Microsoft YaHei Light" charset="-122"/>
+                <a:cs typeface="Microsoft YaHei Light" charset="-122"/>
+              </a:rPr>
+            </a:br>
+            <a:r>
+              <a:rPr kumimoji="1" lang="zh-CN" altLang="en-US" dirty="0" smtClean="0">
+                <a:latin typeface="Microsoft YaHei Light" charset="-122"/>
+                <a:ea typeface="Microsoft YaHei Light" charset="-122"/>
+                <a:cs typeface="Microsoft YaHei Light" charset="-122"/>
+              </a:rPr>
+              <a:t>深度残差网络</a:t>
+            </a:r>
+            <a:endParaRPr kumimoji="1" lang="zh-CN" altLang="en-US" dirty="0">
+              <a:latin typeface="Microsoft YaHei Light" charset="-122"/>
+              <a:ea typeface="Microsoft YaHei Light" charset="-122"/>
+              <a:cs typeface="Microsoft YaHei Light" charset="-122"/>
+            </a:endParaRPr>
+          </a:p>
+        </p:txBody>
+      </p:sp>
+      <p:sp>
+        <p:nvSpPr>
+          <p:cNvPr id="3" name="内容占位符 2"/>
+          <p:cNvSpPr>
+            <a:spLocks noGrp="1"/>
+          </p:cNvSpPr>
+          <p:nvPr>
+            <p:ph idx="1"/>
+          </p:nvPr>
+        </p:nvSpPr>
+        <p:spPr>
+          <a:xfrm>
+            <a:off x="838199" y="1825625"/>
+            <a:ext cx="9864969" cy="4351338"/>
+          </a:xfrm>
+        </p:spPr>
+        <p:txBody>
+          <a:bodyPr>
+            <a:normAutofit lnSpcReduction="10000"/>
+          </a:bodyPr>
+          <a:lstStyle/>
+          <a:p>
+            <a:r>
+              <a:rPr lang="en-US" altLang="zh-CN" dirty="0" smtClean="0">
+                <a:latin typeface="Microsoft YaHei Light" charset="-122"/>
+                <a:ea typeface="Microsoft YaHei Light" charset="-122"/>
+                <a:cs typeface="Microsoft YaHei Light" charset="-122"/>
+              </a:rPr>
+              <a:t>Next one is </a:t>
+            </a:r>
+            <a:r>
+              <a:rPr lang="en-US" altLang="zh-CN" dirty="0" err="1" smtClean="0">
+                <a:latin typeface="Microsoft YaHei Light" charset="-122"/>
+                <a:ea typeface="Microsoft YaHei Light" charset="-122"/>
+                <a:cs typeface="Microsoft YaHei Light" charset="-122"/>
+              </a:rPr>
+              <a:t>ResNet,ResNet</a:t>
+            </a:r>
+            <a:r>
+              <a:rPr lang="zh-CN" altLang="en-US" dirty="0" smtClean="0">
+                <a:latin typeface="Microsoft YaHei Light" charset="-122"/>
+                <a:ea typeface="Microsoft YaHei Light" charset="-122"/>
+                <a:cs typeface="Microsoft YaHei Light" charset="-122"/>
+              </a:rPr>
+              <a:t> </a:t>
+            </a:r>
+            <a:r>
+              <a:rPr lang="en-US" altLang="zh-CN" dirty="0" smtClean="0">
+                <a:latin typeface="Microsoft YaHei Light" charset="-122"/>
+                <a:ea typeface="Microsoft YaHei Light" charset="-122"/>
+                <a:cs typeface="Microsoft YaHei Light" charset="-122"/>
+              </a:rPr>
+              <a:t>won the first place in both ILSVRC 2015 and COCO 2015</a:t>
+            </a:r>
+            <a:r>
+              <a:rPr lang="zh-CN" altLang="en-US" dirty="0" smtClean="0">
+                <a:latin typeface="Microsoft YaHei Light" charset="-122"/>
+                <a:ea typeface="Microsoft YaHei Light" charset="-122"/>
+                <a:cs typeface="Microsoft YaHei Light" charset="-122"/>
+              </a:rPr>
+              <a:t>（也是一个图像识别比赛）</a:t>
+            </a:r>
+            <a:r>
+              <a:rPr lang="en-US" altLang="zh-CN" dirty="0" smtClean="0">
+                <a:latin typeface="Microsoft YaHei Light" charset="-122"/>
+                <a:ea typeface="Microsoft YaHei Light" charset="-122"/>
+                <a:cs typeface="Microsoft YaHei Light" charset="-122"/>
+              </a:rPr>
+              <a:t>,In ILSVRC 2015,the MSRA team use a 152-layers </a:t>
+            </a:r>
+            <a:r>
+              <a:rPr lang="en-US" altLang="zh-CN" dirty="0" err="1" smtClean="0">
+                <a:latin typeface="Microsoft YaHei Light" charset="-122"/>
+                <a:ea typeface="Microsoft YaHei Light" charset="-122"/>
+                <a:cs typeface="Microsoft YaHei Light" charset="-122"/>
+              </a:rPr>
+              <a:t>ResNet</a:t>
+            </a:r>
+            <a:r>
+              <a:rPr lang="en-US" altLang="zh-CN" dirty="0" smtClean="0">
+                <a:latin typeface="Microsoft YaHei Light" charset="-122"/>
+                <a:ea typeface="Microsoft YaHei Light" charset="-122"/>
+                <a:cs typeface="Microsoft YaHei Light" charset="-122"/>
+              </a:rPr>
+              <a:t> and reduce the error rate to 3.57%.It is a simple and clear framework to train a very deep </a:t>
+            </a:r>
+            <a:r>
+              <a:rPr lang="en-US" altLang="zh-CN" dirty="0" err="1" smtClean="0">
+                <a:latin typeface="Microsoft YaHei Light" charset="-122"/>
+                <a:ea typeface="Microsoft YaHei Light" charset="-122"/>
+                <a:cs typeface="Microsoft YaHei Light" charset="-122"/>
+              </a:rPr>
+              <a:t>network.it</a:t>
+            </a:r>
+            <a:r>
+              <a:rPr lang="en-US" altLang="zh-CN" dirty="0" smtClean="0">
+                <a:latin typeface="Microsoft YaHei Light" charset="-122"/>
+                <a:ea typeface="Microsoft YaHei Light" charset="-122"/>
+                <a:cs typeface="Microsoft YaHei Light" charset="-122"/>
+              </a:rPr>
+              <a:t> </a:t>
+            </a:r>
+            <a:r>
+              <a:rPr lang="en-US" altLang="zh-CN" dirty="0" smtClean="0">
+                <a:latin typeface="Microsoft YaHei Light" charset="-122"/>
+                <a:ea typeface="Microsoft YaHei Light" charset="-122"/>
+                <a:cs typeface="Microsoft YaHei Light" charset="-122"/>
+              </a:rPr>
+              <a:t>have lower training error , lower test error and also ,lower time complexity</a:t>
+            </a:r>
+            <a:r>
+              <a:rPr lang="zh-CN" altLang="en-US" dirty="0" smtClean="0">
+                <a:latin typeface="Microsoft YaHei Light" charset="-122"/>
+                <a:ea typeface="Microsoft YaHei Light" charset="-122"/>
+                <a:cs typeface="Microsoft YaHei Light" charset="-122"/>
+              </a:rPr>
+              <a:t>（时间复杂度）</a:t>
+            </a:r>
+            <a:r>
+              <a:rPr lang="en-US" altLang="zh-CN" dirty="0" smtClean="0">
+                <a:latin typeface="Microsoft YaHei Light" charset="-122"/>
+                <a:ea typeface="Microsoft YaHei Light" charset="-122"/>
+                <a:cs typeface="Microsoft YaHei Light" charset="-122"/>
+              </a:rPr>
+              <a:t>.</a:t>
+            </a:r>
+          </a:p>
+          <a:p>
+            <a:r>
+              <a:rPr lang="en-US" altLang="zh-CN" dirty="0" smtClean="0">
+                <a:latin typeface="Microsoft YaHei Light" charset="-122"/>
+                <a:ea typeface="Microsoft YaHei Light" charset="-122"/>
+                <a:cs typeface="Microsoft YaHei Light" charset="-122"/>
+              </a:rPr>
+              <a:t>This success advance the Revolution of </a:t>
+            </a:r>
+            <a:r>
+              <a:rPr lang="en-US" altLang="zh-CN" dirty="0" smtClean="0">
+                <a:latin typeface="Microsoft YaHei Light" charset="-122"/>
+                <a:ea typeface="Microsoft YaHei Light" charset="-122"/>
+                <a:cs typeface="Microsoft YaHei Light" charset="-122"/>
+              </a:rPr>
+              <a:t>Network </a:t>
+            </a:r>
+            <a:r>
+              <a:rPr lang="en-US" altLang="zh-CN" dirty="0" smtClean="0">
+                <a:latin typeface="Microsoft YaHei Light" charset="-122"/>
+                <a:ea typeface="Microsoft YaHei Light" charset="-122"/>
+                <a:cs typeface="Microsoft YaHei Light" charset="-122"/>
+              </a:rPr>
+              <a:t>Depth</a:t>
+            </a:r>
+            <a:r>
+              <a:rPr lang="zh-CN" altLang="en-US" dirty="0" smtClean="0">
+                <a:latin typeface="Microsoft YaHei Light" charset="-122"/>
+                <a:ea typeface="Microsoft YaHei Light" charset="-122"/>
+                <a:cs typeface="Microsoft YaHei Light" charset="-122"/>
+              </a:rPr>
+              <a:t> </a:t>
+            </a:r>
+            <a:r>
+              <a:rPr lang="en-US" altLang="zh-CN" dirty="0" smtClean="0">
+                <a:latin typeface="Microsoft YaHei Light" charset="-122"/>
+                <a:ea typeface="Microsoft YaHei Light" charset="-122"/>
+                <a:cs typeface="Microsoft YaHei Light" charset="-122"/>
+              </a:rPr>
+              <a:t>because</a:t>
+            </a:r>
+            <a:r>
+              <a:rPr lang="zh-CN" altLang="en-US" dirty="0" smtClean="0">
+                <a:latin typeface="Microsoft YaHei Light" charset="-122"/>
+                <a:ea typeface="Microsoft YaHei Light" charset="-122"/>
+                <a:cs typeface="Microsoft YaHei Light" charset="-122"/>
+              </a:rPr>
+              <a:t> </a:t>
+            </a:r>
+            <a:r>
+              <a:rPr lang="en-US" altLang="zh-CN" dirty="0" smtClean="0">
+                <a:latin typeface="Microsoft YaHei Light" charset="-122"/>
+                <a:ea typeface="Microsoft YaHei Light" charset="-122"/>
+                <a:cs typeface="Microsoft YaHei Light" charset="-122"/>
+              </a:rPr>
+              <a:t>if you just simple stacking layers ,you will get higher training error and test error ,but in this </a:t>
+            </a:r>
+            <a:r>
+              <a:rPr lang="en-US" altLang="zh-CN" dirty="0" err="1" smtClean="0">
+                <a:latin typeface="Microsoft YaHei Light" charset="-122"/>
+                <a:ea typeface="Microsoft YaHei Light" charset="-122"/>
+                <a:cs typeface="Microsoft YaHei Light" charset="-122"/>
+              </a:rPr>
+              <a:t>solution,you</a:t>
+            </a:r>
+            <a:r>
+              <a:rPr lang="en-US" altLang="zh-CN" dirty="0" smtClean="0">
+                <a:latin typeface="Microsoft YaHei Light" charset="-122"/>
+                <a:ea typeface="Microsoft YaHei Light" charset="-122"/>
+                <a:cs typeface="Microsoft YaHei Light" charset="-122"/>
+              </a:rPr>
+              <a:t> can actually benefit from</a:t>
+            </a:r>
+            <a:r>
+              <a:rPr lang="zh-CN" altLang="en-US" dirty="0" smtClean="0">
+                <a:latin typeface="Microsoft YaHei Light" charset="-122"/>
+                <a:ea typeface="Microsoft YaHei Light" charset="-122"/>
+                <a:cs typeface="Microsoft YaHei Light" charset="-122"/>
+              </a:rPr>
+              <a:t> </a:t>
+            </a:r>
+            <a:r>
+              <a:rPr lang="en-US" altLang="zh-CN" dirty="0" smtClean="0">
+                <a:latin typeface="Microsoft YaHei Light" charset="-122"/>
+                <a:ea typeface="Microsoft YaHei Light" charset="-122"/>
+                <a:cs typeface="Microsoft YaHei Light" charset="-122"/>
+              </a:rPr>
+              <a:t>the increased number of the layer. </a:t>
+            </a:r>
+          </a:p>
+        </p:txBody>
+      </p:sp>
+    </p:spTree>
+    <p:extLst>
+      <p:ext uri="{BB962C8B-B14F-4D97-AF65-F5344CB8AC3E}">
+        <p14:creationId xmlns:p14="http://schemas.microsoft.com/office/powerpoint/2010/main" val="805644472"/>
+      </p:ext>
+    </p:extLst>
+  </p:cSld>
+  <p:clrMapOvr>
+    <a:masterClrMapping/>
+  </p:clrMapOvr>
+  <p:timing>
+    <p:tnLst>
+      <p:par>
+        <p:cTn id="1" dur="indefinite" restart="never" nodeType="tmRoot"/>
+      </p:par>
+    </p:tnLst>
+  </p:timing>
+</p:sld>
+</file>
+
+<file path=ppt/slides/slide5.xml><?xml version="1.0" encoding="utf-8"?>
+<p:sld xmlns:a="http://schemas.openxmlformats.org/drawingml/2006/main" xmlns:r="http://schemas.openxmlformats.org/officeDocument/2006/relationships" xmlns:p="http://schemas.openxmlformats.org/presentationml/2006/main">
+  <p:cSld>
+    <p:spTree>
+      <p:nvGrpSpPr>
+        <p:cNvPr id="1" name=""/>
+        <p:cNvGrpSpPr/>
+        <p:nvPr/>
+      </p:nvGrpSpPr>
+      <p:grpSpPr>
+        <a:xfrm>
+          <a:off x="0" y="0"/>
+          <a:ext cx="0" cy="0"/>
+          <a:chOff x="0" y="0"/>
+          <a:chExt cx="0" cy="0"/>
+        </a:xfrm>
+      </p:grpSpPr>
+      <p:sp>
+        <p:nvSpPr>
+          <p:cNvPr id="2" name="标题 1"/>
+          <p:cNvSpPr>
+            <a:spLocks noGrp="1"/>
+          </p:cNvSpPr>
+          <p:nvPr>
+            <p:ph type="title"/>
+          </p:nvPr>
+        </p:nvSpPr>
+        <p:spPr/>
+        <p:txBody>
+          <a:bodyPr/>
+          <a:lstStyle/>
+          <a:p>
+            <a:r>
               <a:rPr kumimoji="1" lang="en-US" altLang="zh-CN" dirty="0" smtClean="0">
                 <a:latin typeface="Microsoft YaHei Light" charset="-122"/>
                 <a:ea typeface="Microsoft YaHei Light" charset="-122"/>
@@ -3950,12 +4076,28 @@
           <a:lstStyle/>
           <a:p>
             <a:r>
+              <a:rPr kumimoji="1" lang="en-US" altLang="zh-CN" dirty="0" err="1" smtClean="0">
+                <a:latin typeface="Microsoft YaHei Light" charset="-122"/>
+                <a:ea typeface="Microsoft YaHei Light" charset="-122"/>
+                <a:cs typeface="Microsoft YaHei Light" charset="-122"/>
+              </a:rPr>
+              <a:t>Now,We</a:t>
+            </a:r>
+            <a:r>
+              <a:rPr kumimoji="1" lang="zh-CN" altLang="en-US" dirty="0" smtClean="0">
+                <a:latin typeface="Microsoft YaHei Light" charset="-122"/>
+                <a:ea typeface="Microsoft YaHei Light" charset="-122"/>
+                <a:cs typeface="Microsoft YaHei Light" charset="-122"/>
+              </a:rPr>
+              <a:t> </a:t>
+            </a:r>
+            <a:r>
               <a:rPr kumimoji="1" lang="en-US" altLang="zh-CN" dirty="0" smtClean="0">
                 <a:latin typeface="Microsoft YaHei Light" charset="-122"/>
                 <a:ea typeface="Microsoft YaHei Light" charset="-122"/>
                 <a:cs typeface="Microsoft YaHei Light" charset="-122"/>
               </a:rPr>
-              <a:t>We</a:t>
+              <a:t>had Introduced</a:t>
             </a:r>
             <a:r>
               <a:rPr kumimoji="1" lang="zh-CN" altLang="en-US" dirty="0" smtClean="0">
@@ -3971,10 +4113,18 @@
                 <a:ea typeface="Microsoft YaHei Light" charset="-122"/>
                 <a:cs typeface="Microsoft YaHei Light" charset="-122"/>
               </a:rPr>
-              <a:t>had Introduced</a:t>
-            </a:r>
-            <a:r>
-              <a:rPr kumimoji="1" lang="zh-CN" altLang="en-US" dirty="0" smtClean="0">
+              <a:t>two Net ,their main </a:t>
+            </a:r>
+            <a:r>
+              <a:rPr kumimoji="1" lang="en-US" altLang="zh-CN" dirty="0" err="1" smtClean="0">
+                <a:latin typeface="Microsoft YaHei Light" charset="-122"/>
+                <a:ea typeface="Microsoft YaHei Light" charset="-122"/>
+                <a:cs typeface="Microsoft YaHei Light" charset="-122"/>
+              </a:rPr>
+              <a:t>tesk</a:t>
+            </a:r>
+            <a:r>
+              <a:rPr kumimoji="1" lang="en-US" altLang="zh-CN" dirty="0" smtClean="0">
                 <a:latin typeface="Microsoft YaHei Light" charset="-122"/>
                 <a:ea typeface="Microsoft YaHei Light" charset="-122"/>
                 <a:cs typeface="Microsoft YaHei Light" charset="-122"/>
@@ -3987,7 +4137,7 @@
                 <a:ea typeface="Microsoft YaHei Light" charset="-122"/>
                 <a:cs typeface="Microsoft YaHei Light" charset="-122"/>
               </a:rPr>
-              <a:t>two Net ,their main test is both Computer Vision .Last one is </a:t>
+              <a:t>is </a:t>
             </a:r>
             <a:r>
               <a:rPr kumimoji="1" lang="en-US" altLang="zh-CN" dirty="0" smtClean="0">
@@ -3995,7 +4145,7 @@
                 <a:ea typeface="Microsoft YaHei Light" charset="-122"/>
                 <a:cs typeface="Microsoft YaHei Light" charset="-122"/>
               </a:rPr>
-              <a:t>Long Short-Term Memory </a:t>
+              <a:t>Computer </a:t>
             </a:r>
             <a:r>
               <a:rPr kumimoji="1" lang="en-US" altLang="zh-CN" dirty="0" smtClean="0">
@@ -4003,7 +4153,23 @@
                 <a:ea typeface="Microsoft YaHei Light" charset="-122"/>
                 <a:cs typeface="Microsoft YaHei Light" charset="-122"/>
               </a:rPr>
-              <a:t>Networks .This Network is very powerful in Nature language process . It is based on RNN</a:t>
+              <a:t>Vision .Last one is Long Short-Term Memory Networks .This </a:t>
+            </a:r>
+            <a:r>
+              <a:rPr kumimoji="1" lang="en-US" altLang="zh-CN" dirty="0" smtClean="0">
+                <a:latin typeface="Microsoft YaHei Light" charset="-122"/>
+                <a:ea typeface="Microsoft YaHei Light" charset="-122"/>
+                <a:cs typeface="Microsoft YaHei Light" charset="-122"/>
+              </a:rPr>
+              <a:t>Network is also based on CNN </a:t>
+            </a:r>
+            <a:r>
+              <a:rPr kumimoji="1" lang="en-US" altLang="zh-CN" dirty="0" smtClean="0">
+                <a:latin typeface="Microsoft YaHei Light" charset="-122"/>
+                <a:ea typeface="Microsoft YaHei Light" charset="-122"/>
+                <a:cs typeface="Microsoft YaHei Light" charset="-122"/>
+              </a:rPr>
+              <a:t>is very powerful in Nature language process . It is based on RNN</a:t>
             </a:r>
             <a:r>
               <a:rPr kumimoji="1" lang="zh-CN" altLang="en-US" dirty="0" smtClean="0">

--- a/pre_fff.pptx
+++ b/pre_fff.pptx
@@ -5,11 +5,9 @@
     <p:sldMasterId id="2147483648" r:id="rId1"/>
   </p:sldMasterIdLst>
   <p:sldIdLst>
-    <p:sldId id="256" r:id="rId2"/>
-    <p:sldId id="260" r:id="rId3"/>
-    <p:sldId id="257" r:id="rId4"/>
-    <p:sldId id="258" r:id="rId5"/>
-    <p:sldId id="259" r:id="rId6"/>
+    <p:sldId id="257" r:id="rId2"/>
+    <p:sldId id="258" r:id="rId3"/>
+    <p:sldId id="259" r:id="rId4"/>
   </p:sldIdLst>
   <p:sldSz cx="12192000" cy="6858000"/>
   <p:notesSz cx="6858000" cy="9144000"/>
@@ -2980,99 +2978,239 @@
             <a:spLocks noGrp="1"/>
           </p:cNvSpPr>
           <p:nvPr>
-            <p:ph type="ctrTitle"/>
-          </p:nvPr>
-        </p:nvSpPr>
-        <p:spPr/>
-        <p:txBody>
-          <a:bodyPr/>
-          <a:lstStyle/>
-          <a:p>
-            <a:r>
-              <a:rPr kumimoji="1" lang="en-US" altLang="zh-CN" dirty="0" smtClean="0"/>
-              <a:t>Three important </a:t>
-            </a:r>
-            <a:r>
-              <a:rPr kumimoji="1" lang="en-US" altLang="zh-CN" dirty="0" err="1" smtClean="0"/>
-              <a:t>NetWorks</a:t>
-            </a:r>
+            <p:ph type="title"/>
+          </p:nvPr>
+        </p:nvSpPr>
+        <p:spPr/>
+        <p:txBody>
+          <a:bodyPr/>
+          <a:lstStyle/>
+          <a:p>
+            <a:r>
+              <a:rPr kumimoji="1" lang="en-US" altLang="zh-CN" dirty="0" err="1" smtClean="0">
+                <a:latin typeface="Microsoft YaHei Light" charset="-122"/>
+                <a:ea typeface="Microsoft YaHei Light" charset="-122"/>
+                <a:cs typeface="Microsoft YaHei Light" charset="-122"/>
+              </a:rPr>
+              <a:t>AlexNet</a:t>
+            </a:r>
+            <a:r>
+              <a:rPr kumimoji="1" lang="zh-CN" altLang="en-US" dirty="0" smtClean="0">
+                <a:latin typeface="Microsoft YaHei Light" charset="-122"/>
+                <a:ea typeface="Microsoft YaHei Light" charset="-122"/>
+                <a:cs typeface="Microsoft YaHei Light" charset="-122"/>
+              </a:rPr>
+              <a:t> </a:t>
+            </a:r>
+            <a:r>
+              <a:rPr kumimoji="1" lang="en-US" altLang="zh-CN" dirty="0" smtClean="0">
+                <a:latin typeface="Microsoft YaHei Light" charset="-122"/>
+                <a:ea typeface="Microsoft YaHei Light" charset="-122"/>
+                <a:cs typeface="Microsoft YaHei Light" charset="-122"/>
+              </a:rPr>
+              <a:t/>
+            </a:r>
+            <a:br>
+              <a:rPr kumimoji="1" lang="en-US" altLang="zh-CN" dirty="0" smtClean="0">
+                <a:latin typeface="Microsoft YaHei Light" charset="-122"/>
+                <a:ea typeface="Microsoft YaHei Light" charset="-122"/>
+                <a:cs typeface="Microsoft YaHei Light" charset="-122"/>
+              </a:rPr>
+            </a:br>
+            <a:r>
+              <a:rPr kumimoji="1" lang="en-US" altLang="zh-CN" dirty="0" smtClean="0">
+                <a:latin typeface="Microsoft YaHei Light" charset="-122"/>
+                <a:ea typeface="Microsoft YaHei Light" charset="-122"/>
+                <a:cs typeface="Microsoft YaHei Light" charset="-122"/>
+              </a:rPr>
+              <a:t>Alex</a:t>
+            </a:r>
+            <a:r>
+              <a:rPr kumimoji="1" lang="zh-CN" altLang="en-US" dirty="0" smtClean="0">
+                <a:latin typeface="Microsoft YaHei Light" charset="-122"/>
+                <a:ea typeface="Microsoft YaHei Light" charset="-122"/>
+                <a:cs typeface="Microsoft YaHei Light" charset="-122"/>
+              </a:rPr>
+              <a:t>网</a:t>
+            </a:r>
+            <a:endParaRPr kumimoji="1" lang="zh-CN" altLang="en-US" dirty="0">
+              <a:latin typeface="Microsoft YaHei Light" charset="-122"/>
+              <a:ea typeface="Microsoft YaHei Light" charset="-122"/>
+              <a:cs typeface="Microsoft YaHei Light" charset="-122"/>
+            </a:endParaRPr>
+          </a:p>
+        </p:txBody>
+      </p:sp>
+      <p:sp>
+        <p:nvSpPr>
+          <p:cNvPr id="3" name="内容占位符 2"/>
+          <p:cNvSpPr>
+            <a:spLocks noGrp="1"/>
+          </p:cNvSpPr>
+          <p:nvPr>
+            <p:ph idx="1"/>
+          </p:nvPr>
+        </p:nvSpPr>
+        <p:spPr>
+          <a:xfrm>
+            <a:off x="838200" y="1825625"/>
+            <a:ext cx="10515600" cy="4351338"/>
+          </a:xfrm>
+        </p:spPr>
+        <p:txBody>
+          <a:bodyPr>
+            <a:normAutofit/>
+          </a:bodyPr>
+          <a:lstStyle/>
+          <a:p>
+            <a:endParaRPr lang="zh-CN" altLang="en-US" dirty="0"/>
+          </a:p>
+          <a:p>
             <a:endParaRPr kumimoji="1" lang="zh-CN" altLang="en-US" dirty="0"/>
           </a:p>
         </p:txBody>
       </p:sp>
-      <p:sp>
-        <p:nvSpPr>
-          <p:cNvPr id="3" name="副标题 2"/>
-          <p:cNvSpPr>
-            <a:spLocks noGrp="1"/>
-          </p:cNvSpPr>
-          <p:nvPr>
-            <p:ph type="subTitle" idx="1"/>
-          </p:nvPr>
-        </p:nvSpPr>
-        <p:spPr/>
-        <p:txBody>
-          <a:bodyPr/>
-          <a:lstStyle/>
-          <a:p>
-            <a:r>
-              <a:rPr kumimoji="1" lang="en-US" altLang="zh-CN" dirty="0" err="1" smtClean="0"/>
-              <a:t>AlexNet</a:t>
-            </a:r>
-            <a:r>
-              <a:rPr kumimoji="1" lang="zh-CN" altLang="en-US" dirty="0" smtClean="0"/>
+      <p:pic>
+        <p:nvPicPr>
+          <p:cNvPr id="4" name="图片 3"/>
+          <p:cNvPicPr>
+            <a:picLocks noChangeAspect="1"/>
+          </p:cNvPicPr>
+          <p:nvPr/>
+        </p:nvPicPr>
+        <p:blipFill>
+          <a:blip r:embed="rId2"/>
+          <a:stretch>
+            <a:fillRect/>
+          </a:stretch>
+        </p:blipFill>
+        <p:spPr>
+          <a:xfrm>
+            <a:off x="1397000" y="2257669"/>
+            <a:ext cx="9398000" cy="3022600"/>
+          </a:xfrm>
+          <a:prstGeom prst="rect">
+            <a:avLst/>
+          </a:prstGeom>
+        </p:spPr>
+      </p:pic>
+      <p:sp>
+        <p:nvSpPr>
+          <p:cNvPr id="7" name="文本框 6"/>
+          <p:cNvSpPr txBox="1"/>
+          <p:nvPr/>
+        </p:nvSpPr>
+        <p:spPr>
+          <a:xfrm>
+            <a:off x="3516923" y="5342059"/>
+            <a:ext cx="5158154" cy="1477328"/>
+          </a:xfrm>
+          <a:prstGeom prst="rect">
+            <a:avLst/>
+          </a:prstGeom>
+          <a:noFill/>
+        </p:spPr>
+        <p:txBody>
+          <a:bodyPr wrap="square" rtlCol="0">
+            <a:spAutoFit/>
+          </a:bodyPr>
+          <a:lstStyle/>
+          <a:p>
+            <a:pPr algn="ctr"/>
+            <a:r>
+              <a:rPr kumimoji="1" lang="en-US" altLang="zh-CN" dirty="0" smtClean="0">
+                <a:latin typeface="Microsoft YaHei Light" charset="-122"/>
+                <a:ea typeface="Microsoft YaHei Light" charset="-122"/>
+                <a:cs typeface="Microsoft YaHei Light" charset="-122"/>
+              </a:rPr>
+              <a:t>ILSVRC---ImageNet</a:t>
+            </a:r>
+            <a:r>
+              <a:rPr kumimoji="1" lang="zh-CN" altLang="en-US" dirty="0" smtClean="0">
+                <a:latin typeface="Microsoft YaHei Light" charset="-122"/>
+                <a:ea typeface="Microsoft YaHei Light" charset="-122"/>
+                <a:cs typeface="Microsoft YaHei Light" charset="-122"/>
+              </a:rPr>
+              <a:t>图像</a:t>
+            </a:r>
+            <a:r>
+              <a:rPr kumimoji="1" lang="zh-CN" altLang="en-US" dirty="0">
+                <a:latin typeface="Microsoft YaHei Light" charset="-122"/>
+                <a:ea typeface="Microsoft YaHei Light" charset="-122"/>
+                <a:cs typeface="Microsoft YaHei Light" charset="-122"/>
+              </a:rPr>
+              <a:t>识别</a:t>
+            </a:r>
+            <a:r>
+              <a:rPr kumimoji="1" lang="zh-CN" altLang="en-US" dirty="0" smtClean="0">
+                <a:latin typeface="Microsoft YaHei Light" charset="-122"/>
+                <a:ea typeface="Microsoft YaHei Light" charset="-122"/>
+                <a:cs typeface="Microsoft YaHei Light" charset="-122"/>
+              </a:rPr>
+              <a:t>竞赛</a:t>
+            </a:r>
+            <a:endParaRPr kumimoji="1" lang="en-US" altLang="zh-CN" dirty="0" smtClean="0">
+              <a:latin typeface="Microsoft YaHei Light" charset="-122"/>
+              <a:ea typeface="Microsoft YaHei Light" charset="-122"/>
+              <a:cs typeface="Microsoft YaHei Light" charset="-122"/>
+            </a:endParaRPr>
+          </a:p>
+          <a:p>
+            <a:pPr algn="ctr"/>
+            <a:r>
+              <a:rPr lang="en-US" altLang="zh-CN" dirty="0"/>
+              <a:t>Computer </a:t>
+            </a:r>
+            <a:r>
+              <a:rPr lang="en-US" altLang="zh-CN" dirty="0" smtClean="0"/>
+              <a:t>Vision---</a:t>
+            </a:r>
+            <a:r>
+              <a:rPr lang="zh-CN" altLang="en-US" dirty="0" smtClean="0"/>
+              <a:t>计算机视觉</a:t>
+            </a:r>
+            <a:r>
+              <a:rPr kumimoji="1" lang="zh-CN" altLang="en-US" dirty="0" smtClean="0">
+                <a:latin typeface="Microsoft YaHei Light" charset="-122"/>
+                <a:ea typeface="Microsoft YaHei Light" charset="-122"/>
+                <a:cs typeface="Microsoft YaHei Light" charset="-122"/>
+              </a:rPr>
               <a:t> </a:t>
             </a:r>
-            <a:r>
-              <a:rPr kumimoji="1" lang="en-US" altLang="zh-CN" dirty="0" smtClean="0"/>
-              <a:t>Alex</a:t>
-            </a:r>
-            <a:r>
-              <a:rPr kumimoji="1" lang="zh-CN" altLang="en-US" dirty="0" smtClean="0"/>
-              <a:t>网</a:t>
-            </a:r>
-            <a:endParaRPr kumimoji="1" lang="en-US" altLang="zh-CN" dirty="0" smtClean="0"/>
-          </a:p>
-          <a:p>
-            <a:r>
-              <a:rPr kumimoji="1" lang="en-US" altLang="zh-CN" dirty="0" err="1" smtClean="0"/>
-              <a:t>ResNet</a:t>
-            </a:r>
-            <a:r>
-              <a:rPr kumimoji="1" lang="en-US" altLang="zh-CN" dirty="0" smtClean="0"/>
-              <a:t> </a:t>
+            <a:endParaRPr kumimoji="1" lang="en-US" altLang="zh-CN" dirty="0" smtClean="0">
+              <a:latin typeface="Microsoft YaHei Light" charset="-122"/>
+              <a:ea typeface="Microsoft YaHei Light" charset="-122"/>
+              <a:cs typeface="Microsoft YaHei Light" charset="-122"/>
+            </a:endParaRPr>
+          </a:p>
+          <a:p>
+            <a:pPr algn="ctr"/>
+            <a:r>
+              <a:rPr lang="en-US" altLang="zh-CN" dirty="0" smtClean="0"/>
+              <a:t>Speech Recognition---</a:t>
             </a:r>
             <a:r>
               <a:rPr lang="zh-CN" altLang="en-US" dirty="0" smtClean="0"/>
-              <a:t>深度</a:t>
-            </a:r>
-            <a:r>
-              <a:rPr lang="zh-CN" altLang="en-US" dirty="0"/>
-              <a:t>残差</a:t>
-            </a:r>
-            <a:r>
-              <a:rPr lang="zh-CN" altLang="en-US" dirty="0" smtClean="0"/>
-              <a:t>网络</a:t>
-            </a:r>
-            <a:endParaRPr lang="en-US" altLang="zh-CN" dirty="0" smtClean="0"/>
-          </a:p>
-          <a:p>
-            <a:r>
-              <a:rPr lang="en-US" altLang="zh-CN" dirty="0" smtClean="0"/>
-              <a:t>Long Short-Term Memory networks </a:t>
-            </a:r>
-            <a:r>
-              <a:rPr lang="zh-CN" altLang="en-US" dirty="0" smtClean="0"/>
-              <a:t>长短期记忆网络</a:t>
-            </a:r>
-            <a:endParaRPr lang="zh-CN" altLang="en-US" dirty="0"/>
+              <a:t>语音识别</a:t>
+            </a:r>
+            <a:endParaRPr lang="en-US" altLang="zh-CN" dirty="0"/>
+          </a:p>
+          <a:p>
+            <a:endParaRPr kumimoji="1" lang="zh-CN" altLang="en-US" dirty="0">
+              <a:latin typeface="Microsoft YaHei Light" charset="-122"/>
+              <a:ea typeface="Microsoft YaHei Light" charset="-122"/>
+              <a:cs typeface="Microsoft YaHei Light" charset="-122"/>
+            </a:endParaRPr>
+          </a:p>
+          <a:p>
+            <a:endParaRPr kumimoji="1" lang="zh-CN" altLang="en-US" dirty="0"/>
           </a:p>
         </p:txBody>
       </p:sp>
     </p:spTree>
     <p:extLst>
       <p:ext uri="{BB962C8B-B14F-4D97-AF65-F5344CB8AC3E}">
-        <p14:creationId xmlns:p14="http://schemas.microsoft.com/office/powerpoint/2010/main" val="956353328"/>
+        <p14:creationId xmlns:p14="http://schemas.microsoft.com/office/powerpoint/2010/main" val="1270010723"/>
       </p:ext>
     </p:extLst>
   </p:cSld>
@@ -3121,48 +3259,36 @@
           <a:bodyPr/>
           <a:lstStyle/>
           <a:p>
-            <a:endParaRPr kumimoji="1" lang="zh-CN" altLang="en-US"/>
-          </a:p>
-        </p:txBody>
-      </p:sp>
-      <p:sp>
-        <p:nvSpPr>
-          <p:cNvPr id="3" name="内容占位符 2"/>
-          <p:cNvSpPr>
-            <a:spLocks noGrp="1"/>
-          </p:cNvSpPr>
-          <p:nvPr>
-            <p:ph idx="1"/>
-          </p:nvPr>
-        </p:nvSpPr>
-        <p:spPr/>
-        <p:txBody>
-          <a:bodyPr/>
-          <a:lstStyle/>
-          <a:p>
+            <a:r>
+              <a:rPr kumimoji="1" lang="en-US" altLang="zh-CN" dirty="0" err="1" smtClean="0">
+                <a:latin typeface="Microsoft YaHei Light" charset="-122"/>
+                <a:ea typeface="Microsoft YaHei Light" charset="-122"/>
+                <a:cs typeface="Microsoft YaHei Light" charset="-122"/>
+              </a:rPr>
+              <a:t>ResNet</a:t>
+            </a:r>
             <a:r>
               <a:rPr kumimoji="1" lang="en-US" altLang="zh-CN" dirty="0" smtClean="0">
                 <a:latin typeface="Microsoft YaHei Light" charset="-122"/>
                 <a:ea typeface="Microsoft YaHei Light" charset="-122"/>
                 <a:cs typeface="Microsoft YaHei Light" charset="-122"/>
               </a:rPr>
-              <a:t>My fellow ,</a:t>
-            </a:r>
-            <a:r>
-              <a:rPr kumimoji="1" lang="en-US" altLang="zh-CN" dirty="0" err="1" smtClean="0">
-                <a:latin typeface="Microsoft YaHei Light" charset="-122"/>
-                <a:ea typeface="Microsoft YaHei Light" charset="-122"/>
-                <a:cs typeface="Microsoft YaHei Light" charset="-122"/>
-              </a:rPr>
-              <a:t>Zhuo</a:t>
-            </a:r>
-            <a:r>
+              <a:t> </a:t>
+            </a:r>
+            <a:br>
               <a:rPr kumimoji="1" lang="en-US" altLang="zh-CN" dirty="0" smtClean="0">
                 <a:latin typeface="Microsoft YaHei Light" charset="-122"/>
                 <a:ea typeface="Microsoft YaHei Light" charset="-122"/>
                 <a:cs typeface="Microsoft YaHei Light" charset="-122"/>
               </a:rPr>
-              <a:t> long ,has introduce CNN to you ,now I’m going to talk about 3 important network ,based on CNN</a:t>
+            </a:br>
+            <a:r>
+              <a:rPr kumimoji="1" lang="zh-CN" altLang="en-US" dirty="0" smtClean="0">
+                <a:latin typeface="Microsoft YaHei Light" charset="-122"/>
+                <a:ea typeface="Microsoft YaHei Light" charset="-122"/>
+                <a:cs typeface="Microsoft YaHei Light" charset="-122"/>
+              </a:rPr>
+              <a:t>深度残差网络</a:t>
             </a:r>
             <a:endParaRPr kumimoji="1" lang="zh-CN" altLang="en-US" dirty="0">
               <a:latin typeface="Microsoft YaHei Light" charset="-122"/>
@@ -3172,16 +3298,154 @@
           </a:p>
         </p:txBody>
       </p:sp>
+      <p:pic>
+        <p:nvPicPr>
+          <p:cNvPr id="4" name="内容占位符 3"/>
+          <p:cNvPicPr>
+            <a:picLocks noGrp="1" noChangeAspect="1"/>
+          </p:cNvPicPr>
+          <p:nvPr>
+            <p:ph idx="1"/>
+          </p:nvPr>
+        </p:nvPicPr>
+        <p:blipFill>
+          <a:blip r:embed="rId2"/>
+          <a:stretch>
+            <a:fillRect/>
+          </a:stretch>
+        </p:blipFill>
+        <p:spPr>
+          <a:xfrm>
+            <a:off x="0" y="2153487"/>
+            <a:ext cx="5563507" cy="3041384"/>
+          </a:xfrm>
+          <a:prstGeom prst="rect">
+            <a:avLst/>
+          </a:prstGeom>
+        </p:spPr>
+      </p:pic>
+      <p:pic>
+        <p:nvPicPr>
+          <p:cNvPr id="5" name="图片 4"/>
+          <p:cNvPicPr>
+            <a:picLocks noChangeAspect="1"/>
+          </p:cNvPicPr>
+          <p:nvPr/>
+        </p:nvPicPr>
+        <p:blipFill>
+          <a:blip r:embed="rId3"/>
+          <a:stretch>
+            <a:fillRect/>
+          </a:stretch>
+        </p:blipFill>
+        <p:spPr>
+          <a:xfrm>
+            <a:off x="5815389" y="1575005"/>
+            <a:ext cx="6376611" cy="3619866"/>
+          </a:xfrm>
+          <a:prstGeom prst="rect">
+            <a:avLst/>
+          </a:prstGeom>
+        </p:spPr>
+      </p:pic>
+      <p:sp>
+        <p:nvSpPr>
+          <p:cNvPr id="6" name="文本框 5"/>
+          <p:cNvSpPr txBox="1"/>
+          <p:nvPr/>
+        </p:nvSpPr>
+        <p:spPr>
+          <a:xfrm>
+            <a:off x="4115329" y="5364594"/>
+            <a:ext cx="3961341" cy="1200329"/>
+          </a:xfrm>
+          <a:prstGeom prst="rect">
+            <a:avLst/>
+          </a:prstGeom>
+          <a:noFill/>
+        </p:spPr>
+        <p:txBody>
+          <a:bodyPr wrap="none" rtlCol="0">
+            <a:spAutoFit/>
+          </a:bodyPr>
+          <a:lstStyle/>
+          <a:p>
+            <a:pPr algn="ctr"/>
+            <a:r>
+              <a:rPr lang="en-US" altLang="zh-CN" dirty="0"/>
+              <a:t>COCO </a:t>
+            </a:r>
+            <a:r>
+              <a:rPr lang="en-US" altLang="zh-CN" dirty="0" smtClean="0"/>
+              <a:t>2015---</a:t>
+            </a:r>
+            <a:r>
+              <a:rPr lang="zh-CN" altLang="en-US" dirty="0" smtClean="0"/>
+              <a:t>另一</a:t>
+            </a:r>
+            <a:r>
+              <a:rPr lang="zh-CN" altLang="en-US" dirty="0"/>
+              <a:t>个图像识别</a:t>
+            </a:r>
+            <a:r>
+              <a:rPr lang="zh-CN" altLang="en-US" dirty="0" smtClean="0"/>
+              <a:t>比赛</a:t>
+            </a:r>
+            <a:endParaRPr lang="en-US" altLang="zh-CN" dirty="0" smtClean="0"/>
+          </a:p>
+          <a:p>
+            <a:pPr algn="ctr"/>
+            <a:r>
+              <a:rPr lang="en-US" altLang="zh-CN" dirty="0" smtClean="0"/>
+              <a:t>Lower </a:t>
+            </a:r>
+            <a:r>
+              <a:rPr lang="en-US" altLang="zh-CN" dirty="0"/>
+              <a:t>T</a:t>
+            </a:r>
+            <a:r>
+              <a:rPr lang="en-US" altLang="zh-CN" dirty="0" smtClean="0"/>
+              <a:t>ime </a:t>
+            </a:r>
+            <a:r>
+              <a:rPr lang="en-US" altLang="zh-CN" dirty="0"/>
+              <a:t>C</a:t>
+            </a:r>
+            <a:r>
+              <a:rPr lang="en-US" altLang="zh-CN" dirty="0" smtClean="0"/>
+              <a:t>omplexity---</a:t>
+            </a:r>
+            <a:r>
+              <a:rPr lang="zh-CN" altLang="en-US" dirty="0" smtClean="0"/>
+              <a:t>时间复杂度</a:t>
+            </a:r>
+            <a:endParaRPr lang="zh-CN" altLang="en-US" dirty="0"/>
+          </a:p>
+          <a:p>
+            <a:endParaRPr lang="zh-CN" altLang="en-US" dirty="0"/>
+          </a:p>
+          <a:p>
+            <a:endParaRPr kumimoji="1" lang="zh-CN" altLang="en-US" dirty="0"/>
+          </a:p>
+        </p:txBody>
+      </p:sp>
     </p:spTree>
     <p:extLst>
       <p:ext uri="{BB962C8B-B14F-4D97-AF65-F5344CB8AC3E}">
-        <p14:creationId xmlns:p14="http://schemas.microsoft.com/office/powerpoint/2010/main" val="475775874"/>
+        <p14:creationId xmlns:p14="http://schemas.microsoft.com/office/powerpoint/2010/main" val="805644472"/>
       </p:ext>
     </p:extLst>
   </p:cSld>
   <p:clrMapOvr>
     <a:masterClrMapping/>
   </p:clrMapOvr>
+  <p:timing>
+    <p:tnLst>
+      <p:par>
+        <p:cTn id="1" dur="indefinite" restart="never" nodeType="tmRoot"/>
+      </p:par>
+    </p:tnLst>
+  </p:timing>
 </p:sld>
 </file>
 
@@ -3218,28 +3482,12 @@
           <a:lstStyle/>
           <a:p>
             <a:r>
-              <a:rPr kumimoji="1" lang="en-US" altLang="zh-CN" dirty="0" err="1" smtClean="0">
-                <a:latin typeface="Microsoft YaHei Light" charset="-122"/>
-                <a:ea typeface="Microsoft YaHei Light" charset="-122"/>
-                <a:cs typeface="Microsoft YaHei Light" charset="-122"/>
-              </a:rPr>
-              <a:t>AlexNet</a:t>
-            </a:r>
-            <a:r>
-              <a:rPr kumimoji="1" lang="zh-CN" altLang="en-US" dirty="0" smtClean="0">
-                <a:latin typeface="Microsoft YaHei Light" charset="-122"/>
-                <a:ea typeface="Microsoft YaHei Light" charset="-122"/>
-                <a:cs typeface="Microsoft YaHei Light" charset="-122"/>
-              </a:rPr>
-              <a:t> </a:t>
-            </a:r>
-            <a:r>
               <a:rPr kumimoji="1" lang="en-US" altLang="zh-CN" dirty="0" smtClean="0">
                 <a:latin typeface="Microsoft YaHei Light" charset="-122"/>
                 <a:ea typeface="Microsoft YaHei Light" charset="-122"/>
                 <a:cs typeface="Microsoft YaHei Light" charset="-122"/>
               </a:rPr>
-              <a:t/>
+              <a:t>Long Short-Term Memory Networks </a:t>
             </a:r>
             <a:br>
               <a:rPr kumimoji="1" lang="en-US" altLang="zh-CN" dirty="0" smtClean="0">
@@ -3249,797 +3497,6 @@
               </a:rPr>
             </a:br>
             <a:r>
-              <a:rPr kumimoji="1" lang="en-US" altLang="zh-CN" dirty="0" smtClean="0">
-                <a:latin typeface="Microsoft YaHei Light" charset="-122"/>
-                <a:ea typeface="Microsoft YaHei Light" charset="-122"/>
-                <a:cs typeface="Microsoft YaHei Light" charset="-122"/>
-              </a:rPr>
-              <a:t>Alex</a:t>
-            </a:r>
-            <a:r>
-              <a:rPr kumimoji="1" lang="zh-CN" altLang="en-US" dirty="0" smtClean="0">
-                <a:latin typeface="Microsoft YaHei Light" charset="-122"/>
-                <a:ea typeface="Microsoft YaHei Light" charset="-122"/>
-                <a:cs typeface="Microsoft YaHei Light" charset="-122"/>
-              </a:rPr>
-              <a:t>网</a:t>
-            </a:r>
-            <a:endParaRPr kumimoji="1" lang="zh-CN" altLang="en-US" dirty="0">
-              <a:latin typeface="Microsoft YaHei Light" charset="-122"/>
-              <a:ea typeface="Microsoft YaHei Light" charset="-122"/>
-              <a:cs typeface="Microsoft YaHei Light" charset="-122"/>
-            </a:endParaRPr>
-          </a:p>
-        </p:txBody>
-      </p:sp>
-      <p:sp>
-        <p:nvSpPr>
-          <p:cNvPr id="3" name="内容占位符 2"/>
-          <p:cNvSpPr>
-            <a:spLocks noGrp="1"/>
-          </p:cNvSpPr>
-          <p:nvPr>
-            <p:ph idx="1"/>
-          </p:nvPr>
-        </p:nvSpPr>
-        <p:spPr>
-          <a:xfrm>
-            <a:off x="838200" y="1825625"/>
-            <a:ext cx="10515600" cy="4351338"/>
-          </a:xfrm>
-        </p:spPr>
-        <p:txBody>
-          <a:bodyPr>
-            <a:normAutofit/>
-          </a:bodyPr>
-          <a:lstStyle/>
-          <a:p>
-            <a:r>
-              <a:rPr lang="en-US" altLang="zh-CN" dirty="0" err="1" smtClean="0">
-                <a:latin typeface="Microsoft YaHei Light" charset="-122"/>
-                <a:ea typeface="Microsoft YaHei Light" charset="-122"/>
-                <a:cs typeface="Microsoft YaHei Light" charset="-122"/>
-              </a:rPr>
-              <a:t>First</a:t>
-            </a:r>
-            <a:r>
-              <a:rPr lang="en-US" altLang="zh-CN" dirty="0" err="1">
-                <a:latin typeface="Microsoft YaHei Light" charset="-122"/>
-                <a:ea typeface="Microsoft YaHei Light" charset="-122"/>
-                <a:cs typeface="Microsoft YaHei Light" charset="-122"/>
-              </a:rPr>
-              <a:t>,</a:t>
-            </a:r>
-            <a:r>
-              <a:rPr lang="en-US" altLang="zh-CN" dirty="0" err="1" smtClean="0">
-                <a:latin typeface="Microsoft YaHei Light" charset="-122"/>
-                <a:ea typeface="Microsoft YaHei Light" charset="-122"/>
-                <a:cs typeface="Microsoft YaHei Light" charset="-122"/>
-              </a:rPr>
-              <a:t>The</a:t>
-            </a:r>
-            <a:r>
-              <a:rPr lang="en-US" altLang="zh-CN" dirty="0" smtClean="0">
-                <a:latin typeface="Microsoft YaHei Light" charset="-122"/>
-                <a:ea typeface="Microsoft YaHei Light" charset="-122"/>
-                <a:cs typeface="Microsoft YaHei Light" charset="-122"/>
-              </a:rPr>
-              <a:t> 8-layer Net---</a:t>
-            </a:r>
-            <a:r>
-              <a:rPr lang="en-US" altLang="zh-CN" dirty="0" err="1" smtClean="0">
-                <a:latin typeface="Microsoft YaHei Light" charset="-122"/>
-                <a:ea typeface="Microsoft YaHei Light" charset="-122"/>
-                <a:cs typeface="Microsoft YaHei Light" charset="-122"/>
-              </a:rPr>
-              <a:t>AlexNet,It</a:t>
-            </a:r>
-            <a:r>
-              <a:rPr lang="en-US" altLang="zh-CN" dirty="0" smtClean="0">
-                <a:latin typeface="Microsoft YaHei Light" charset="-122"/>
-                <a:ea typeface="Microsoft YaHei Light" charset="-122"/>
-                <a:cs typeface="Microsoft YaHei Light" charset="-122"/>
-              </a:rPr>
-              <a:t> Came out from ILSVRC</a:t>
-            </a:r>
-            <a:r>
-              <a:rPr lang="zh-CN" altLang="en-US" dirty="0" smtClean="0">
-                <a:latin typeface="Microsoft YaHei Light" charset="-122"/>
-                <a:ea typeface="Microsoft YaHei Light" charset="-122"/>
-                <a:cs typeface="Microsoft YaHei Light" charset="-122"/>
-              </a:rPr>
-              <a:t>（</a:t>
-            </a:r>
-            <a:r>
-              <a:rPr lang="en-US" altLang="zh-CN" dirty="0" smtClean="0">
-                <a:latin typeface="Microsoft YaHei Light" charset="-122"/>
-                <a:ea typeface="Microsoft YaHei Light" charset="-122"/>
-                <a:cs typeface="Microsoft YaHei Light" charset="-122"/>
-              </a:rPr>
-              <a:t>ImageNet</a:t>
-            </a:r>
-            <a:r>
-              <a:rPr lang="zh-CN" altLang="en-US" dirty="0">
-                <a:latin typeface="Microsoft YaHei Light" charset="-122"/>
-                <a:ea typeface="Microsoft YaHei Light" charset="-122"/>
-                <a:cs typeface="Microsoft YaHei Light" charset="-122"/>
-              </a:rPr>
-              <a:t>的图像识别</a:t>
-            </a:r>
-            <a:r>
-              <a:rPr lang="zh-CN" altLang="en-US" dirty="0" smtClean="0">
-                <a:latin typeface="Microsoft YaHei Light" charset="-122"/>
-                <a:ea typeface="Microsoft YaHei Light" charset="-122"/>
-                <a:cs typeface="Microsoft YaHei Light" charset="-122"/>
-              </a:rPr>
-              <a:t>竞赛）</a:t>
-            </a:r>
-            <a:r>
-              <a:rPr lang="en-US" altLang="zh-CN" dirty="0" smtClean="0">
-                <a:latin typeface="Microsoft YaHei Light" charset="-122"/>
-                <a:ea typeface="Microsoft YaHei Light" charset="-122"/>
-                <a:cs typeface="Microsoft YaHei Light" charset="-122"/>
-              </a:rPr>
-              <a:t> 2012 and win the </a:t>
-            </a:r>
-            <a:r>
-              <a:rPr lang="en-US" altLang="zh-CN" dirty="0" err="1" smtClean="0">
-                <a:latin typeface="Microsoft YaHei Light" charset="-122"/>
-                <a:ea typeface="Microsoft YaHei Light" charset="-122"/>
-                <a:cs typeface="Microsoft YaHei Light" charset="-122"/>
-              </a:rPr>
-              <a:t>champion,because,it</a:t>
-            </a:r>
-            <a:r>
-              <a:rPr lang="en-US" altLang="zh-CN" dirty="0" smtClean="0">
-                <a:latin typeface="Microsoft YaHei Light" charset="-122"/>
-                <a:ea typeface="Microsoft YaHei Light" charset="-122"/>
-                <a:cs typeface="Microsoft YaHei Light" charset="-122"/>
-              </a:rPr>
-              <a:t> reduce the error rate to 16.4%,Which</a:t>
-            </a:r>
-            <a:r>
-              <a:rPr lang="zh-CN" altLang="en-US" dirty="0" smtClean="0">
-                <a:latin typeface="Microsoft YaHei Light" charset="-122"/>
-                <a:ea typeface="Microsoft YaHei Light" charset="-122"/>
-                <a:cs typeface="Microsoft YaHei Light" charset="-122"/>
-              </a:rPr>
-              <a:t> </a:t>
-            </a:r>
-            <a:r>
-              <a:rPr lang="en-US" altLang="zh-CN" dirty="0" smtClean="0">
-                <a:latin typeface="Microsoft YaHei Light" charset="-122"/>
-                <a:ea typeface="Microsoft YaHei Light" charset="-122"/>
-                <a:cs typeface="Microsoft YaHei Light" charset="-122"/>
-              </a:rPr>
-              <a:t>is</a:t>
-            </a:r>
-            <a:r>
-              <a:rPr lang="zh-CN" altLang="en-US" dirty="0" smtClean="0">
-                <a:latin typeface="Microsoft YaHei Light" charset="-122"/>
-                <a:ea typeface="Microsoft YaHei Light" charset="-122"/>
-                <a:cs typeface="Microsoft YaHei Light" charset="-122"/>
-              </a:rPr>
-              <a:t> </a:t>
-            </a:r>
-            <a:r>
-              <a:rPr lang="en-US" altLang="zh-CN" dirty="0" smtClean="0">
-                <a:latin typeface="Microsoft YaHei Light" charset="-122"/>
-                <a:ea typeface="Microsoft YaHei Light" charset="-122"/>
-                <a:cs typeface="Microsoft YaHei Light" charset="-122"/>
-              </a:rPr>
-              <a:t>a huge progress.</a:t>
-            </a:r>
-            <a:endParaRPr lang="zh-CN" altLang="en-US" dirty="0">
-              <a:latin typeface="Microsoft YaHei Light" charset="-122"/>
-              <a:ea typeface="Microsoft YaHei Light" charset="-122"/>
-              <a:cs typeface="Microsoft YaHei Light" charset="-122"/>
-            </a:endParaRPr>
-          </a:p>
-          <a:p>
-            <a:r>
-              <a:rPr lang="en-US" altLang="zh-CN" dirty="0" smtClean="0">
-                <a:latin typeface="Microsoft YaHei Light" charset="-122"/>
-                <a:ea typeface="Microsoft YaHei Light" charset="-122"/>
-                <a:cs typeface="Microsoft YaHei Light" charset="-122"/>
-              </a:rPr>
-              <a:t>It</a:t>
-            </a:r>
-            <a:r>
-              <a:rPr lang="zh-CN" altLang="en-US" dirty="0" smtClean="0">
-                <a:latin typeface="Microsoft YaHei Light" charset="-122"/>
-                <a:ea typeface="Microsoft YaHei Light" charset="-122"/>
-                <a:cs typeface="Microsoft YaHei Light" charset="-122"/>
-              </a:rPr>
-              <a:t> </a:t>
-            </a:r>
-            <a:r>
-              <a:rPr lang="en-US" altLang="zh-CN" dirty="0" smtClean="0">
-                <a:latin typeface="Microsoft YaHei Light" charset="-122"/>
-                <a:ea typeface="Microsoft YaHei Light" charset="-122"/>
-                <a:cs typeface="Microsoft YaHei Light" charset="-122"/>
-              </a:rPr>
-              <a:t>is</a:t>
-            </a:r>
-            <a:r>
-              <a:rPr lang="zh-CN" altLang="en-US" dirty="0" smtClean="0">
-                <a:latin typeface="Microsoft YaHei Light" charset="-122"/>
-                <a:ea typeface="Microsoft YaHei Light" charset="-122"/>
-                <a:cs typeface="Microsoft YaHei Light" charset="-122"/>
-              </a:rPr>
-              <a:t> </a:t>
-            </a:r>
-            <a:r>
-              <a:rPr lang="en-US" altLang="zh-CN" dirty="0" smtClean="0">
-                <a:latin typeface="Microsoft YaHei Light" charset="-122"/>
-                <a:ea typeface="Microsoft YaHei Light" charset="-122"/>
-                <a:cs typeface="Microsoft YaHei Light" charset="-122"/>
-              </a:rPr>
-              <a:t>very</a:t>
-            </a:r>
-            <a:r>
-              <a:rPr lang="zh-CN" altLang="en-US" dirty="0" smtClean="0">
-                <a:latin typeface="Microsoft YaHei Light" charset="-122"/>
-                <a:ea typeface="Microsoft YaHei Light" charset="-122"/>
-                <a:cs typeface="Microsoft YaHei Light" charset="-122"/>
-              </a:rPr>
-              <a:t> </a:t>
-            </a:r>
-            <a:r>
-              <a:rPr lang="en-US" altLang="zh-CN" dirty="0" smtClean="0">
-                <a:latin typeface="Microsoft YaHei Light" charset="-122"/>
-                <a:ea typeface="Microsoft YaHei Light" charset="-122"/>
-                <a:cs typeface="Microsoft YaHei Light" charset="-122"/>
-              </a:rPr>
-              <a:t>important because it </a:t>
-            </a:r>
-            <a:r>
-              <a:rPr lang="en-US" altLang="zh-CN" dirty="0">
-                <a:latin typeface="Microsoft YaHei Light" charset="-122"/>
-                <a:ea typeface="Microsoft YaHei Light" charset="-122"/>
-                <a:cs typeface="Microsoft YaHei Light" charset="-122"/>
-              </a:rPr>
-              <a:t>p</a:t>
-            </a:r>
-            <a:r>
-              <a:rPr lang="en-US" altLang="zh-CN" dirty="0" smtClean="0">
-                <a:latin typeface="Microsoft YaHei Light" charset="-122"/>
-                <a:ea typeface="Microsoft YaHei Light" charset="-122"/>
-                <a:cs typeface="Microsoft YaHei Light" charset="-122"/>
-              </a:rPr>
-              <a:t>roved that CNN</a:t>
-            </a:r>
-            <a:r>
-              <a:rPr lang="zh-CN" altLang="en-US" dirty="0" smtClean="0">
-                <a:latin typeface="Microsoft YaHei Light" charset="-122"/>
-                <a:ea typeface="Microsoft YaHei Light" charset="-122"/>
-                <a:cs typeface="Microsoft YaHei Light" charset="-122"/>
-              </a:rPr>
-              <a:t> </a:t>
-            </a:r>
-            <a:r>
-              <a:rPr lang="en-US" altLang="zh-CN" dirty="0" smtClean="0">
-                <a:latin typeface="Microsoft YaHei Light" charset="-122"/>
-                <a:ea typeface="Microsoft YaHei Light" charset="-122"/>
-                <a:cs typeface="Microsoft YaHei Light" charset="-122"/>
-              </a:rPr>
-              <a:t>can be use in a </a:t>
-            </a:r>
-            <a:r>
-              <a:rPr lang="en-US" altLang="zh-CN" dirty="0" err="1" smtClean="0">
-                <a:latin typeface="Microsoft YaHei Light" charset="-122"/>
-                <a:ea typeface="Microsoft YaHei Light" charset="-122"/>
-                <a:cs typeface="Microsoft YaHei Light" charset="-122"/>
-              </a:rPr>
-              <a:t>deep,wide</a:t>
-            </a:r>
-            <a:r>
-              <a:rPr lang="en-US" altLang="zh-CN" dirty="0" smtClean="0">
-                <a:latin typeface="Microsoft YaHei Light" charset="-122"/>
-                <a:ea typeface="Microsoft YaHei Light" charset="-122"/>
-                <a:cs typeface="Microsoft YaHei Light" charset="-122"/>
-              </a:rPr>
-              <a:t> </a:t>
-            </a:r>
-            <a:r>
-              <a:rPr lang="en-US" altLang="zh-CN" dirty="0" smtClean="0">
-                <a:latin typeface="Microsoft YaHei Light" charset="-122"/>
-                <a:ea typeface="Microsoft YaHei Light" charset="-122"/>
-                <a:cs typeface="Microsoft YaHei Light" charset="-122"/>
-              </a:rPr>
-              <a:t>Network </a:t>
-            </a:r>
-            <a:r>
-              <a:rPr lang="en-US" altLang="zh-CN" dirty="0" smtClean="0">
-                <a:latin typeface="Microsoft YaHei Light" charset="-122"/>
-                <a:ea typeface="Microsoft YaHei Light" charset="-122"/>
-                <a:cs typeface="Microsoft YaHei Light" charset="-122"/>
-              </a:rPr>
-              <a:t>and is very powerful in Computer Vision. it also advance</a:t>
-            </a:r>
-            <a:r>
-              <a:rPr lang="zh-CN" altLang="en-US" dirty="0" smtClean="0">
-                <a:latin typeface="Microsoft YaHei Light" charset="-122"/>
-                <a:ea typeface="Microsoft YaHei Light" charset="-122"/>
-                <a:cs typeface="Microsoft YaHei Light" charset="-122"/>
-              </a:rPr>
-              <a:t> </a:t>
-            </a:r>
-            <a:r>
-              <a:rPr lang="en-US" altLang="zh-CN" dirty="0" smtClean="0">
-                <a:latin typeface="Microsoft YaHei Light" charset="-122"/>
-                <a:ea typeface="Microsoft YaHei Light" charset="-122"/>
-                <a:cs typeface="Microsoft YaHei Light" charset="-122"/>
-              </a:rPr>
-              <a:t>the</a:t>
-            </a:r>
-            <a:r>
-              <a:rPr lang="zh-CN" altLang="en-US" dirty="0" smtClean="0">
-                <a:latin typeface="Microsoft YaHei Light" charset="-122"/>
-                <a:ea typeface="Microsoft YaHei Light" charset="-122"/>
-                <a:cs typeface="Microsoft YaHei Light" charset="-122"/>
-              </a:rPr>
-              <a:t> </a:t>
-            </a:r>
-            <a:r>
-              <a:rPr lang="en-US" altLang="zh-CN" dirty="0" smtClean="0">
-                <a:latin typeface="Microsoft YaHei Light" charset="-122"/>
-                <a:ea typeface="Microsoft YaHei Light" charset="-122"/>
-                <a:cs typeface="Microsoft YaHei Light" charset="-122"/>
-              </a:rPr>
-              <a:t>usage</a:t>
-            </a:r>
-            <a:r>
-              <a:rPr lang="zh-CN" altLang="en-US" dirty="0" smtClean="0">
-                <a:latin typeface="Microsoft YaHei Light" charset="-122"/>
-                <a:ea typeface="Microsoft YaHei Light" charset="-122"/>
-                <a:cs typeface="Microsoft YaHei Light" charset="-122"/>
-              </a:rPr>
-              <a:t> </a:t>
-            </a:r>
-            <a:r>
-              <a:rPr lang="en-US" altLang="zh-CN" dirty="0" smtClean="0">
-                <a:latin typeface="Microsoft YaHei Light" charset="-122"/>
-                <a:ea typeface="Microsoft YaHei Light" charset="-122"/>
-                <a:cs typeface="Microsoft YaHei Light" charset="-122"/>
-              </a:rPr>
-              <a:t>of CNN in Speech </a:t>
-            </a:r>
-            <a:r>
-              <a:rPr lang="en-US" altLang="zh-CN" dirty="0" err="1" smtClean="0">
-                <a:latin typeface="Microsoft YaHei Light" charset="-122"/>
-                <a:ea typeface="Microsoft YaHei Light" charset="-122"/>
-                <a:cs typeface="Microsoft YaHei Light" charset="-122"/>
-              </a:rPr>
-              <a:t>Recognition,Nature</a:t>
-            </a:r>
-            <a:r>
-              <a:rPr lang="en-US" altLang="zh-CN" dirty="0" smtClean="0">
-                <a:latin typeface="Microsoft YaHei Light" charset="-122"/>
-                <a:ea typeface="Microsoft YaHei Light" charset="-122"/>
-                <a:cs typeface="Microsoft YaHei Light" charset="-122"/>
-              </a:rPr>
-              <a:t> Language process and many other </a:t>
-            </a:r>
-            <a:r>
-              <a:rPr lang="en-US" altLang="zh-CN" dirty="0" err="1" smtClean="0">
-                <a:latin typeface="Microsoft YaHei Light" charset="-122"/>
-                <a:ea typeface="Microsoft YaHei Light" charset="-122"/>
-                <a:cs typeface="Microsoft YaHei Light" charset="-122"/>
-              </a:rPr>
-              <a:t>field.It</a:t>
-            </a:r>
-            <a:r>
-              <a:rPr lang="en-US" altLang="zh-CN" dirty="0" smtClean="0">
-                <a:latin typeface="Microsoft YaHei Light" charset="-122"/>
-                <a:ea typeface="Microsoft YaHei Light" charset="-122"/>
-                <a:cs typeface="Microsoft YaHei Light" charset="-122"/>
-              </a:rPr>
-              <a:t> also use GPU to make Calculate </a:t>
-            </a:r>
-            <a:r>
-              <a:rPr lang="en-US" altLang="zh-CN" dirty="0" err="1" smtClean="0">
-                <a:latin typeface="Microsoft YaHei Light" charset="-122"/>
-                <a:ea typeface="Microsoft YaHei Light" charset="-122"/>
-                <a:cs typeface="Microsoft YaHei Light" charset="-122"/>
-              </a:rPr>
-              <a:t>faster,which</a:t>
-            </a:r>
-            <a:r>
-              <a:rPr lang="en-US" altLang="zh-CN" dirty="0" smtClean="0">
-                <a:latin typeface="Microsoft YaHei Light" charset="-122"/>
-                <a:ea typeface="Microsoft YaHei Light" charset="-122"/>
-                <a:cs typeface="Microsoft YaHei Light" charset="-122"/>
-              </a:rPr>
-              <a:t> has become popular today.</a:t>
-            </a:r>
-          </a:p>
-          <a:p>
-            <a:endParaRPr lang="zh-CN" altLang="en-US" dirty="0"/>
-          </a:p>
-          <a:p>
-            <a:endParaRPr kumimoji="1" lang="zh-CN" altLang="en-US" dirty="0"/>
-          </a:p>
-        </p:txBody>
-      </p:sp>
-    </p:spTree>
-    <p:extLst>
-      <p:ext uri="{BB962C8B-B14F-4D97-AF65-F5344CB8AC3E}">
-        <p14:creationId xmlns:p14="http://schemas.microsoft.com/office/powerpoint/2010/main" val="1270010723"/>
-      </p:ext>
-    </p:extLst>
-  </p:cSld>
-  <p:clrMapOvr>
-    <a:masterClrMapping/>
-  </p:clrMapOvr>
-  <p:timing>
-    <p:tnLst>
-      <p:par>
-        <p:cTn id="1" dur="indefinite" restart="never" nodeType="tmRoot"/>
-      </p:par>
-    </p:tnLst>
-  </p:timing>
-</p:sld>
-</file>
-
-<file path=ppt/slides/slide4.xml><?xml version="1.0" encoding="utf-8"?>
-<p:sld xmlns:a="http://schemas.openxmlformats.org/drawingml/2006/main" xmlns:r="http://schemas.openxmlformats.org/officeDocument/2006/relationships" xmlns:p="http://schemas.openxmlformats.org/presentationml/2006/main">
-  <p:cSld>
-    <p:spTree>
-      <p:nvGrpSpPr>
-        <p:cNvPr id="1" name=""/>
-        <p:cNvGrpSpPr/>
-        <p:nvPr/>
-      </p:nvGrpSpPr>
-      <p:grpSpPr>
-        <a:xfrm>
-          <a:off x="0" y="0"/>
-          <a:ext cx="0" cy="0"/>
-          <a:chOff x="0" y="0"/>
-          <a:chExt cx="0" cy="0"/>
-        </a:xfrm>
-      </p:grpSpPr>
-      <p:sp>
-        <p:nvSpPr>
-          <p:cNvPr id="2" name="标题 1"/>
-          <p:cNvSpPr>
-            <a:spLocks noGrp="1"/>
-          </p:cNvSpPr>
-          <p:nvPr>
-            <p:ph type="title"/>
-          </p:nvPr>
-        </p:nvSpPr>
-        <p:spPr/>
-        <p:txBody>
-          <a:bodyPr/>
-          <a:lstStyle/>
-          <a:p>
-            <a:r>
-              <a:rPr kumimoji="1" lang="en-US" altLang="zh-CN" dirty="0" err="1" smtClean="0">
-                <a:latin typeface="Microsoft YaHei Light" charset="-122"/>
-                <a:ea typeface="Microsoft YaHei Light" charset="-122"/>
-                <a:cs typeface="Microsoft YaHei Light" charset="-122"/>
-              </a:rPr>
-              <a:t>ResNet</a:t>
-            </a:r>
-            <a:r>
-              <a:rPr kumimoji="1" lang="en-US" altLang="zh-CN" dirty="0" smtClean="0">
-                <a:latin typeface="Microsoft YaHei Light" charset="-122"/>
-                <a:ea typeface="Microsoft YaHei Light" charset="-122"/>
-                <a:cs typeface="Microsoft YaHei Light" charset="-122"/>
-              </a:rPr>
-              <a:t> </a:t>
-            </a:r>
-            <a:br>
-              <a:rPr kumimoji="1" lang="en-US" altLang="zh-CN" dirty="0" smtClean="0">
-                <a:latin typeface="Microsoft YaHei Light" charset="-122"/>
-                <a:ea typeface="Microsoft YaHei Light" charset="-122"/>
-                <a:cs typeface="Microsoft YaHei Light" charset="-122"/>
-              </a:rPr>
-            </a:br>
-            <a:r>
-              <a:rPr kumimoji="1" lang="zh-CN" altLang="en-US" dirty="0" smtClean="0">
-                <a:latin typeface="Microsoft YaHei Light" charset="-122"/>
-                <a:ea typeface="Microsoft YaHei Light" charset="-122"/>
-                <a:cs typeface="Microsoft YaHei Light" charset="-122"/>
-              </a:rPr>
-              <a:t>深度残差网络</a:t>
-            </a:r>
-            <a:endParaRPr kumimoji="1" lang="zh-CN" altLang="en-US" dirty="0">
-              <a:latin typeface="Microsoft YaHei Light" charset="-122"/>
-              <a:ea typeface="Microsoft YaHei Light" charset="-122"/>
-              <a:cs typeface="Microsoft YaHei Light" charset="-122"/>
-            </a:endParaRPr>
-          </a:p>
-        </p:txBody>
-      </p:sp>
-      <p:sp>
-        <p:nvSpPr>
-          <p:cNvPr id="3" name="内容占位符 2"/>
-          <p:cNvSpPr>
-            <a:spLocks noGrp="1"/>
-          </p:cNvSpPr>
-          <p:nvPr>
-            <p:ph idx="1"/>
-          </p:nvPr>
-        </p:nvSpPr>
-        <p:spPr>
-          <a:xfrm>
-            <a:off x="838199" y="1825625"/>
-            <a:ext cx="9864969" cy="4351338"/>
-          </a:xfrm>
-        </p:spPr>
-        <p:txBody>
-          <a:bodyPr>
-            <a:normAutofit lnSpcReduction="10000"/>
-          </a:bodyPr>
-          <a:lstStyle/>
-          <a:p>
-            <a:r>
-              <a:rPr lang="en-US" altLang="zh-CN" dirty="0" smtClean="0">
-                <a:latin typeface="Microsoft YaHei Light" charset="-122"/>
-                <a:ea typeface="Microsoft YaHei Light" charset="-122"/>
-                <a:cs typeface="Microsoft YaHei Light" charset="-122"/>
-              </a:rPr>
-              <a:t>Next one is </a:t>
-            </a:r>
-            <a:r>
-              <a:rPr lang="en-US" altLang="zh-CN" dirty="0" err="1" smtClean="0">
-                <a:latin typeface="Microsoft YaHei Light" charset="-122"/>
-                <a:ea typeface="Microsoft YaHei Light" charset="-122"/>
-                <a:cs typeface="Microsoft YaHei Light" charset="-122"/>
-              </a:rPr>
-              <a:t>ResNet,ResNet</a:t>
-            </a:r>
-            <a:r>
-              <a:rPr lang="zh-CN" altLang="en-US" dirty="0" smtClean="0">
-                <a:latin typeface="Microsoft YaHei Light" charset="-122"/>
-                <a:ea typeface="Microsoft YaHei Light" charset="-122"/>
-                <a:cs typeface="Microsoft YaHei Light" charset="-122"/>
-              </a:rPr>
-              <a:t> </a:t>
-            </a:r>
-            <a:r>
-              <a:rPr lang="en-US" altLang="zh-CN" dirty="0" smtClean="0">
-                <a:latin typeface="Microsoft YaHei Light" charset="-122"/>
-                <a:ea typeface="Microsoft YaHei Light" charset="-122"/>
-                <a:cs typeface="Microsoft YaHei Light" charset="-122"/>
-              </a:rPr>
-              <a:t>won the first place in both ILSVRC 2015 and COCO 2015</a:t>
-            </a:r>
-            <a:r>
-              <a:rPr lang="zh-CN" altLang="en-US" dirty="0" smtClean="0">
-                <a:latin typeface="Microsoft YaHei Light" charset="-122"/>
-                <a:ea typeface="Microsoft YaHei Light" charset="-122"/>
-                <a:cs typeface="Microsoft YaHei Light" charset="-122"/>
-              </a:rPr>
-              <a:t>（也是一个图像识别比赛）</a:t>
-            </a:r>
-            <a:r>
-              <a:rPr lang="en-US" altLang="zh-CN" dirty="0" smtClean="0">
-                <a:latin typeface="Microsoft YaHei Light" charset="-122"/>
-                <a:ea typeface="Microsoft YaHei Light" charset="-122"/>
-                <a:cs typeface="Microsoft YaHei Light" charset="-122"/>
-              </a:rPr>
-              <a:t>,In ILSVRC 2015,the MSRA team use a 152-layers </a:t>
-            </a:r>
-            <a:r>
-              <a:rPr lang="en-US" altLang="zh-CN" dirty="0" err="1" smtClean="0">
-                <a:latin typeface="Microsoft YaHei Light" charset="-122"/>
-                <a:ea typeface="Microsoft YaHei Light" charset="-122"/>
-                <a:cs typeface="Microsoft YaHei Light" charset="-122"/>
-              </a:rPr>
-              <a:t>ResNet</a:t>
-            </a:r>
-            <a:r>
-              <a:rPr lang="en-US" altLang="zh-CN" dirty="0" smtClean="0">
-                <a:latin typeface="Microsoft YaHei Light" charset="-122"/>
-                <a:ea typeface="Microsoft YaHei Light" charset="-122"/>
-                <a:cs typeface="Microsoft YaHei Light" charset="-122"/>
-              </a:rPr>
-              <a:t> and reduce the error rate to 3.57%.It is a simple and clear framework to train a very deep </a:t>
-            </a:r>
-            <a:r>
-              <a:rPr lang="en-US" altLang="zh-CN" dirty="0" err="1" smtClean="0">
-                <a:latin typeface="Microsoft YaHei Light" charset="-122"/>
-                <a:ea typeface="Microsoft YaHei Light" charset="-122"/>
-                <a:cs typeface="Microsoft YaHei Light" charset="-122"/>
-              </a:rPr>
-              <a:t>network.it</a:t>
-            </a:r>
-            <a:r>
-              <a:rPr lang="en-US" altLang="zh-CN" dirty="0" smtClean="0">
-                <a:latin typeface="Microsoft YaHei Light" charset="-122"/>
-                <a:ea typeface="Microsoft YaHei Light" charset="-122"/>
-                <a:cs typeface="Microsoft YaHei Light" charset="-122"/>
-              </a:rPr>
-              <a:t> </a:t>
-            </a:r>
-            <a:r>
-              <a:rPr lang="en-US" altLang="zh-CN" dirty="0" smtClean="0">
-                <a:latin typeface="Microsoft YaHei Light" charset="-122"/>
-                <a:ea typeface="Microsoft YaHei Light" charset="-122"/>
-                <a:cs typeface="Microsoft YaHei Light" charset="-122"/>
-              </a:rPr>
-              <a:t>have lower training error , lower test error and also ,lower time complexity</a:t>
-            </a:r>
-            <a:r>
-              <a:rPr lang="zh-CN" altLang="en-US" dirty="0" smtClean="0">
-                <a:latin typeface="Microsoft YaHei Light" charset="-122"/>
-                <a:ea typeface="Microsoft YaHei Light" charset="-122"/>
-                <a:cs typeface="Microsoft YaHei Light" charset="-122"/>
-              </a:rPr>
-              <a:t>（时间复杂度）</a:t>
-            </a:r>
-            <a:r>
-              <a:rPr lang="en-US" altLang="zh-CN" dirty="0" smtClean="0">
-                <a:latin typeface="Microsoft YaHei Light" charset="-122"/>
-                <a:ea typeface="Microsoft YaHei Light" charset="-122"/>
-                <a:cs typeface="Microsoft YaHei Light" charset="-122"/>
-              </a:rPr>
-              <a:t>.</a:t>
-            </a:r>
-          </a:p>
-          <a:p>
-            <a:r>
-              <a:rPr lang="en-US" altLang="zh-CN" dirty="0" smtClean="0">
-                <a:latin typeface="Microsoft YaHei Light" charset="-122"/>
-                <a:ea typeface="Microsoft YaHei Light" charset="-122"/>
-                <a:cs typeface="Microsoft YaHei Light" charset="-122"/>
-              </a:rPr>
-              <a:t>This success advance the Revolution of </a:t>
-            </a:r>
-            <a:r>
-              <a:rPr lang="en-US" altLang="zh-CN" dirty="0" smtClean="0">
-                <a:latin typeface="Microsoft YaHei Light" charset="-122"/>
-                <a:ea typeface="Microsoft YaHei Light" charset="-122"/>
-                <a:cs typeface="Microsoft YaHei Light" charset="-122"/>
-              </a:rPr>
-              <a:t>Network </a:t>
-            </a:r>
-            <a:r>
-              <a:rPr lang="en-US" altLang="zh-CN" dirty="0" smtClean="0">
-                <a:latin typeface="Microsoft YaHei Light" charset="-122"/>
-                <a:ea typeface="Microsoft YaHei Light" charset="-122"/>
-                <a:cs typeface="Microsoft YaHei Light" charset="-122"/>
-              </a:rPr>
-              <a:t>Depth</a:t>
-            </a:r>
-            <a:r>
-              <a:rPr lang="zh-CN" altLang="en-US" dirty="0" smtClean="0">
-                <a:latin typeface="Microsoft YaHei Light" charset="-122"/>
-                <a:ea typeface="Microsoft YaHei Light" charset="-122"/>
-                <a:cs typeface="Microsoft YaHei Light" charset="-122"/>
-              </a:rPr>
-              <a:t> </a:t>
-            </a:r>
-            <a:r>
-              <a:rPr lang="en-US" altLang="zh-CN" dirty="0" smtClean="0">
-                <a:latin typeface="Microsoft YaHei Light" charset="-122"/>
-                <a:ea typeface="Microsoft YaHei Light" charset="-122"/>
-                <a:cs typeface="Microsoft YaHei Light" charset="-122"/>
-              </a:rPr>
-              <a:t>because</a:t>
-            </a:r>
-            <a:r>
-              <a:rPr lang="zh-CN" altLang="en-US" dirty="0" smtClean="0">
-                <a:latin typeface="Microsoft YaHei Light" charset="-122"/>
-                <a:ea typeface="Microsoft YaHei Light" charset="-122"/>
-                <a:cs typeface="Microsoft YaHei Light" charset="-122"/>
-              </a:rPr>
-              <a:t> </a:t>
-            </a:r>
-            <a:r>
-              <a:rPr lang="en-US" altLang="zh-CN" dirty="0" smtClean="0">
-                <a:latin typeface="Microsoft YaHei Light" charset="-122"/>
-                <a:ea typeface="Microsoft YaHei Light" charset="-122"/>
-                <a:cs typeface="Microsoft YaHei Light" charset="-122"/>
-              </a:rPr>
-              <a:t>if you just simple stacking layers ,you will get higher training error and test error ,but in this </a:t>
-            </a:r>
-            <a:r>
-              <a:rPr lang="en-US" altLang="zh-CN" dirty="0" err="1" smtClean="0">
-                <a:latin typeface="Microsoft YaHei Light" charset="-122"/>
-                <a:ea typeface="Microsoft YaHei Light" charset="-122"/>
-                <a:cs typeface="Microsoft YaHei Light" charset="-122"/>
-              </a:rPr>
-              <a:t>solution,you</a:t>
-            </a:r>
-            <a:r>
-              <a:rPr lang="en-US" altLang="zh-CN" dirty="0" smtClean="0">
-                <a:latin typeface="Microsoft YaHei Light" charset="-122"/>
-                <a:ea typeface="Microsoft YaHei Light" charset="-122"/>
-                <a:cs typeface="Microsoft YaHei Light" charset="-122"/>
-              </a:rPr>
-              <a:t> can actually benefit from</a:t>
-            </a:r>
-            <a:r>
-              <a:rPr lang="zh-CN" altLang="en-US" dirty="0" smtClean="0">
-                <a:latin typeface="Microsoft YaHei Light" charset="-122"/>
-                <a:ea typeface="Microsoft YaHei Light" charset="-122"/>
-                <a:cs typeface="Microsoft YaHei Light" charset="-122"/>
-              </a:rPr>
-              <a:t> </a:t>
-            </a:r>
-            <a:r>
-              <a:rPr lang="en-US" altLang="zh-CN" dirty="0" smtClean="0">
-                <a:latin typeface="Microsoft YaHei Light" charset="-122"/>
-                <a:ea typeface="Microsoft YaHei Light" charset="-122"/>
-                <a:cs typeface="Microsoft YaHei Light" charset="-122"/>
-              </a:rPr>
-              <a:t>the increased number of the layer. </a:t>
-            </a:r>
-          </a:p>
-        </p:txBody>
-      </p:sp>
-    </p:spTree>
-    <p:extLst>
-      <p:ext uri="{BB962C8B-B14F-4D97-AF65-F5344CB8AC3E}">
-        <p14:creationId xmlns:p14="http://schemas.microsoft.com/office/powerpoint/2010/main" val="805644472"/>
-      </p:ext>
-    </p:extLst>
-  </p:cSld>
-  <p:clrMapOvr>
-    <a:masterClrMapping/>
-  </p:clrMapOvr>
-  <p:timing>
-    <p:tnLst>
-      <p:par>
-        <p:cTn id="1" dur="indefinite" restart="never" nodeType="tmRoot"/>
-      </p:par>
-    </p:tnLst>
-  </p:timing>
-</p:sld>
-</file>
-
-<file path=ppt/slides/slide5.xml><?xml version="1.0" encoding="utf-8"?>
-<p:sld xmlns:a="http://schemas.openxmlformats.org/drawingml/2006/main" xmlns:r="http://schemas.openxmlformats.org/officeDocument/2006/relationships" xmlns:p="http://schemas.openxmlformats.org/presentationml/2006/main">
-  <p:cSld>
-    <p:spTree>
-      <p:nvGrpSpPr>
-        <p:cNvPr id="1" name=""/>
-        <p:cNvGrpSpPr/>
-        <p:nvPr/>
-      </p:nvGrpSpPr>
-      <p:grpSpPr>
-        <a:xfrm>
-          <a:off x="0" y="0"/>
-          <a:ext cx="0" cy="0"/>
-          <a:chOff x="0" y="0"/>
-          <a:chExt cx="0" cy="0"/>
-        </a:xfrm>
-      </p:grpSpPr>
-      <p:sp>
-        <p:nvSpPr>
-          <p:cNvPr id="2" name="标题 1"/>
-          <p:cNvSpPr>
-            <a:spLocks noGrp="1"/>
-          </p:cNvSpPr>
-          <p:nvPr>
-            <p:ph type="title"/>
-          </p:nvPr>
-        </p:nvSpPr>
-        <p:spPr/>
-        <p:txBody>
-          <a:bodyPr/>
-          <a:lstStyle/>
-          <a:p>
-            <a:r>
-              <a:rPr kumimoji="1" lang="en-US" altLang="zh-CN" dirty="0" smtClean="0">
-                <a:latin typeface="Microsoft YaHei Light" charset="-122"/>
-                <a:ea typeface="Microsoft YaHei Light" charset="-122"/>
-                <a:cs typeface="Microsoft YaHei Light" charset="-122"/>
-              </a:rPr>
-              <a:t>Long Short-Term Memory Networks </a:t>
-            </a:r>
-            <a:br>
-              <a:rPr kumimoji="1" lang="en-US" altLang="zh-CN" dirty="0" smtClean="0">
-                <a:latin typeface="Microsoft YaHei Light" charset="-122"/>
-                <a:ea typeface="Microsoft YaHei Light" charset="-122"/>
-                <a:cs typeface="Microsoft YaHei Light" charset="-122"/>
-              </a:rPr>
-            </a:br>
-            <a:r>
               <a:rPr kumimoji="1" lang="zh-CN" altLang="en-US" dirty="0" smtClean="0">
                 <a:latin typeface="Microsoft YaHei Light" charset="-122"/>
                 <a:ea typeface="Microsoft YaHei Light" charset="-122"/>
@@ -4055,191 +3512,130 @@
           </a:p>
         </p:txBody>
       </p:sp>
-      <p:sp>
-        <p:nvSpPr>
-          <p:cNvPr id="3" name="内容占位符 2"/>
-          <p:cNvSpPr>
-            <a:spLocks noGrp="1"/>
-          </p:cNvSpPr>
+      <p:pic>
+        <p:nvPicPr>
+          <p:cNvPr id="4" name="内容占位符 3"/>
+          <p:cNvPicPr>
+            <a:picLocks noGrp="1" noChangeAspect="1"/>
+          </p:cNvPicPr>
           <p:nvPr>
             <p:ph idx="1"/>
           </p:nvPr>
-        </p:nvSpPr>
+        </p:nvPicPr>
+        <p:blipFill>
+          <a:blip r:embed="rId2"/>
+          <a:stretch>
+            <a:fillRect/>
+          </a:stretch>
+        </p:blipFill>
         <p:spPr>
           <a:xfrm>
-            <a:off x="838200" y="1825625"/>
-            <a:ext cx="10515600" cy="4351338"/>
+            <a:off x="2978150" y="1880882"/>
+            <a:ext cx="6235700" cy="3162300"/>
           </a:xfrm>
+          <a:prstGeom prst="rect">
+            <a:avLst/>
+          </a:prstGeom>
         </p:spPr>
-        <p:txBody>
-          <a:bodyPr/>
-          <a:lstStyle/>
-          <a:p>
-            <a:r>
-              <a:rPr kumimoji="1" lang="en-US" altLang="zh-CN" dirty="0" err="1" smtClean="0">
-                <a:latin typeface="Microsoft YaHei Light" charset="-122"/>
-                <a:ea typeface="Microsoft YaHei Light" charset="-122"/>
-                <a:cs typeface="Microsoft YaHei Light" charset="-122"/>
-              </a:rPr>
-              <a:t>Now,We</a:t>
-            </a:r>
-            <a:r>
-              <a:rPr kumimoji="1" lang="zh-CN" altLang="en-US" dirty="0" smtClean="0">
-                <a:latin typeface="Microsoft YaHei Light" charset="-122"/>
-                <a:ea typeface="Microsoft YaHei Light" charset="-122"/>
-                <a:cs typeface="Microsoft YaHei Light" charset="-122"/>
-              </a:rPr>
-              <a:t> </a:t>
-            </a:r>
-            <a:r>
-              <a:rPr kumimoji="1" lang="en-US" altLang="zh-CN" dirty="0" smtClean="0">
-                <a:latin typeface="Microsoft YaHei Light" charset="-122"/>
-                <a:ea typeface="Microsoft YaHei Light" charset="-122"/>
-                <a:cs typeface="Microsoft YaHei Light" charset="-122"/>
-              </a:rPr>
-              <a:t>had Introduced</a:t>
-            </a:r>
-            <a:r>
-              <a:rPr kumimoji="1" lang="zh-CN" altLang="en-US" dirty="0" smtClean="0">
-                <a:latin typeface="Microsoft YaHei Light" charset="-122"/>
-                <a:ea typeface="Microsoft YaHei Light" charset="-122"/>
-                <a:cs typeface="Microsoft YaHei Light" charset="-122"/>
-              </a:rPr>
-              <a:t> </a:t>
-            </a:r>
-            <a:r>
-              <a:rPr kumimoji="1" lang="en-US" altLang="zh-CN" dirty="0" smtClean="0">
-                <a:latin typeface="Microsoft YaHei Light" charset="-122"/>
-                <a:ea typeface="Microsoft YaHei Light" charset="-122"/>
-                <a:cs typeface="Microsoft YaHei Light" charset="-122"/>
-              </a:rPr>
-              <a:t>two Net ,their main </a:t>
-            </a:r>
-            <a:r>
-              <a:rPr kumimoji="1" lang="en-US" altLang="zh-CN" dirty="0" err="1" smtClean="0">
-                <a:latin typeface="Microsoft YaHei Light" charset="-122"/>
-                <a:ea typeface="Microsoft YaHei Light" charset="-122"/>
-                <a:cs typeface="Microsoft YaHei Light" charset="-122"/>
-              </a:rPr>
-              <a:t>tesk</a:t>
-            </a:r>
-            <a:r>
-              <a:rPr kumimoji="1" lang="en-US" altLang="zh-CN" dirty="0" smtClean="0">
-                <a:latin typeface="Microsoft YaHei Light" charset="-122"/>
-                <a:ea typeface="Microsoft YaHei Light" charset="-122"/>
-                <a:cs typeface="Microsoft YaHei Light" charset="-122"/>
-              </a:rPr>
-              <a:t> </a:t>
-            </a:r>
-            <a:r>
-              <a:rPr kumimoji="1" lang="en-US" altLang="zh-CN" dirty="0" smtClean="0">
-                <a:latin typeface="Microsoft YaHei Light" charset="-122"/>
-                <a:ea typeface="Microsoft YaHei Light" charset="-122"/>
-                <a:cs typeface="Microsoft YaHei Light" charset="-122"/>
-              </a:rPr>
-              <a:t>is </a:t>
-            </a:r>
-            <a:r>
-              <a:rPr kumimoji="1" lang="en-US" altLang="zh-CN" dirty="0" smtClean="0">
-                <a:latin typeface="Microsoft YaHei Light" charset="-122"/>
-                <a:ea typeface="Microsoft YaHei Light" charset="-122"/>
-                <a:cs typeface="Microsoft YaHei Light" charset="-122"/>
-              </a:rPr>
-              <a:t>Computer </a:t>
-            </a:r>
-            <a:r>
-              <a:rPr kumimoji="1" lang="en-US" altLang="zh-CN" dirty="0" smtClean="0">
-                <a:latin typeface="Microsoft YaHei Light" charset="-122"/>
-                <a:ea typeface="Microsoft YaHei Light" charset="-122"/>
-                <a:cs typeface="Microsoft YaHei Light" charset="-122"/>
-              </a:rPr>
-              <a:t>Vision .Last one is Long Short-Term Memory Networks .This </a:t>
-            </a:r>
-            <a:r>
-              <a:rPr kumimoji="1" lang="en-US" altLang="zh-CN" dirty="0" smtClean="0">
-                <a:latin typeface="Microsoft YaHei Light" charset="-122"/>
-                <a:ea typeface="Microsoft YaHei Light" charset="-122"/>
-                <a:cs typeface="Microsoft YaHei Light" charset="-122"/>
-              </a:rPr>
-              <a:t>Network is also based on CNN </a:t>
-            </a:r>
-            <a:r>
-              <a:rPr kumimoji="1" lang="en-US" altLang="zh-CN" dirty="0" smtClean="0">
-                <a:latin typeface="Microsoft YaHei Light" charset="-122"/>
-                <a:ea typeface="Microsoft YaHei Light" charset="-122"/>
-                <a:cs typeface="Microsoft YaHei Light" charset="-122"/>
-              </a:rPr>
-              <a:t>is very powerful in Nature language process . It is based on RNN</a:t>
-            </a:r>
-            <a:r>
-              <a:rPr kumimoji="1" lang="zh-CN" altLang="en-US" dirty="0" smtClean="0">
-                <a:latin typeface="Microsoft YaHei Light" charset="-122"/>
-                <a:ea typeface="Microsoft YaHei Light" charset="-122"/>
-                <a:cs typeface="Microsoft YaHei Light" charset="-122"/>
-              </a:rPr>
-              <a:t>（递归神经网络）</a:t>
-            </a:r>
-            <a:r>
-              <a:rPr kumimoji="1" lang="en-US" altLang="zh-CN" dirty="0" smtClean="0">
-                <a:latin typeface="Microsoft YaHei Light" charset="-122"/>
-                <a:ea typeface="Microsoft YaHei Light" charset="-122"/>
-                <a:cs typeface="Microsoft YaHei Light" charset="-122"/>
-              </a:rPr>
-              <a:t>,but it’s better than RNN.RNN have a gradient Vanishing/Exploding problem ,but LSTM fixed it by using Memory Cell instead of normal RNN cell .So ,LSTM make RNN more</a:t>
-            </a:r>
-            <a:r>
-              <a:rPr kumimoji="1" lang="zh-CN" altLang="en-US" dirty="0" smtClean="0">
-                <a:latin typeface="Microsoft YaHei Light" charset="-122"/>
-                <a:ea typeface="Microsoft YaHei Light" charset="-122"/>
-                <a:cs typeface="Microsoft YaHei Light" charset="-122"/>
-              </a:rPr>
-              <a:t> </a:t>
-            </a:r>
-            <a:r>
-              <a:rPr kumimoji="1" lang="en-US" altLang="zh-CN" dirty="0" smtClean="0">
-                <a:latin typeface="Microsoft YaHei Light" charset="-122"/>
-                <a:ea typeface="Microsoft YaHei Light" charset="-122"/>
-                <a:cs typeface="Microsoft YaHei Light" charset="-122"/>
-              </a:rPr>
-              <a:t>practical .It has being used on many </a:t>
-            </a:r>
-            <a:r>
-              <a:rPr kumimoji="1" lang="en-US" altLang="zh-CN" dirty="0" err="1" smtClean="0">
-                <a:latin typeface="Microsoft YaHei Light" charset="-122"/>
-                <a:ea typeface="Microsoft YaHei Light" charset="-122"/>
-                <a:cs typeface="Microsoft YaHei Light" charset="-122"/>
-              </a:rPr>
-              <a:t>tesks</a:t>
-            </a:r>
-            <a:r>
-              <a:rPr kumimoji="1" lang="en-US" altLang="zh-CN" dirty="0" smtClean="0">
-                <a:latin typeface="Microsoft YaHei Light" charset="-122"/>
-                <a:ea typeface="Microsoft YaHei Light" charset="-122"/>
-                <a:cs typeface="Microsoft YaHei Light" charset="-122"/>
-              </a:rPr>
-              <a:t> ,Such as</a:t>
-            </a:r>
-            <a:r>
-              <a:rPr kumimoji="1" lang="zh-CN" altLang="en-US" dirty="0" smtClean="0">
-                <a:latin typeface="Microsoft YaHei Light" charset="-122"/>
-                <a:ea typeface="Microsoft YaHei Light" charset="-122"/>
-                <a:cs typeface="Microsoft YaHei Light" charset="-122"/>
-              </a:rPr>
-              <a:t> </a:t>
-            </a:r>
-            <a:r>
-              <a:rPr kumimoji="1" lang="en-US" altLang="zh-CN" dirty="0" smtClean="0">
-                <a:latin typeface="Microsoft YaHei Light" charset="-122"/>
-                <a:ea typeface="Microsoft YaHei Light" charset="-122"/>
-                <a:cs typeface="Microsoft YaHei Light" charset="-122"/>
-              </a:rPr>
-              <a:t>Handwriting recognition ,Semantic analysis and etc.</a:t>
-            </a:r>
-            <a:endParaRPr kumimoji="1" lang="zh-CN" altLang="en-US" dirty="0">
-              <a:latin typeface="Microsoft YaHei Light" charset="-122"/>
-              <a:ea typeface="Microsoft YaHei Light" charset="-122"/>
-              <a:cs typeface="Microsoft YaHei Light" charset="-122"/>
-            </a:endParaRPr>
+      </p:pic>
+      <p:sp>
+        <p:nvSpPr>
+          <p:cNvPr id="5" name="文本框 4"/>
+          <p:cNvSpPr txBox="1"/>
+          <p:nvPr/>
+        </p:nvSpPr>
+        <p:spPr>
+          <a:xfrm>
+            <a:off x="3525424" y="5233376"/>
+            <a:ext cx="5141151" cy="2031325"/>
+          </a:xfrm>
+          <a:prstGeom prst="rect">
+            <a:avLst/>
+          </a:prstGeom>
+          <a:noFill/>
+        </p:spPr>
+        <p:txBody>
+          <a:bodyPr wrap="none" rtlCol="0">
+            <a:spAutoFit/>
+          </a:bodyPr>
+          <a:lstStyle/>
+          <a:p>
+            <a:pPr algn="ctr"/>
+            <a:r>
+              <a:rPr lang="en-US" altLang="zh-CN" dirty="0" smtClean="0"/>
+              <a:t>RNN---</a:t>
+            </a:r>
+            <a:r>
+              <a:rPr lang="zh-CN" altLang="en-US" dirty="0" smtClean="0"/>
+              <a:t>递归</a:t>
+            </a:r>
+            <a:r>
+              <a:rPr lang="zh-CN" altLang="en-US" dirty="0"/>
+              <a:t>神经</a:t>
+            </a:r>
+            <a:r>
+              <a:rPr lang="zh-CN" altLang="en-US" dirty="0" smtClean="0"/>
+              <a:t>网络</a:t>
+            </a:r>
+            <a:endParaRPr lang="en-US" altLang="zh-CN" dirty="0" smtClean="0"/>
+          </a:p>
+          <a:p>
+            <a:pPr algn="ctr"/>
+            <a:r>
+              <a:rPr lang="en-US" altLang="zh-CN" dirty="0"/>
+              <a:t>G</a:t>
+            </a:r>
+            <a:r>
+              <a:rPr lang="en-US" altLang="zh-CN" dirty="0" smtClean="0"/>
+              <a:t>radient Vanishing/Exploding---</a:t>
+            </a:r>
+            <a:r>
+              <a:rPr lang="zh-CN" altLang="en-US" dirty="0" smtClean="0"/>
+              <a:t>梯度消失／膨胀</a:t>
+            </a:r>
+            <a:endParaRPr lang="en-US" altLang="zh-CN" dirty="0" smtClean="0"/>
+          </a:p>
+          <a:p>
+            <a:pPr algn="ctr"/>
+            <a:r>
+              <a:rPr lang="en-US" altLang="zh-CN" dirty="0"/>
+              <a:t>Memory </a:t>
+            </a:r>
+            <a:r>
+              <a:rPr lang="en-US" altLang="zh-CN" dirty="0" smtClean="0"/>
+              <a:t>Cell---</a:t>
+            </a:r>
+            <a:r>
+              <a:rPr lang="zh-CN" altLang="en-US" dirty="0" smtClean="0"/>
+              <a:t>记忆细胞</a:t>
+            </a:r>
+            <a:endParaRPr lang="en-US" altLang="zh-CN" dirty="0" smtClean="0"/>
+          </a:p>
+          <a:p>
+            <a:pPr algn="ctr"/>
+            <a:r>
+              <a:rPr lang="en-US" altLang="zh-CN" dirty="0"/>
+              <a:t>Semantic </a:t>
+            </a:r>
+            <a:r>
+              <a:rPr lang="en-US" altLang="zh-CN" dirty="0" smtClean="0"/>
+              <a:t>Analysis---</a:t>
+            </a:r>
+            <a:r>
+              <a:rPr lang="zh-CN" altLang="en-US" dirty="0" smtClean="0"/>
+              <a:t>语义分析</a:t>
+            </a:r>
+            <a:endParaRPr lang="en-US" altLang="zh-CN" dirty="0"/>
+          </a:p>
+          <a:p>
+            <a:pPr algn="ctr"/>
+            <a:endParaRPr lang="en-US" altLang="zh-CN" b="1" dirty="0"/>
+          </a:p>
+          <a:p>
+            <a:endParaRPr lang="zh-CN" altLang="en-US" dirty="0"/>
+          </a:p>
+          <a:p>
+            <a:endParaRPr kumimoji="1" lang="zh-CN" altLang="en-US" dirty="0"/>
           </a:p>
         </p:txBody>
       </p:sp>

--- a/pre_fff.pptx
+++ b/pre_fff.pptx
@@ -3086,8 +3086,8 @@
         </p:blipFill>
         <p:spPr>
           <a:xfrm>
-            <a:off x="1397000" y="2257669"/>
-            <a:ext cx="9398000" cy="3022600"/>
+            <a:off x="1486343" y="1690688"/>
+            <a:ext cx="9355550" cy="3008947"/>
           </a:xfrm>
           <a:prstGeom prst="rect">
             <a:avLst/>
@@ -3102,7 +3102,7 @@
         </p:nvSpPr>
         <p:spPr>
           <a:xfrm>
-            <a:off x="3516923" y="5342059"/>
+            <a:off x="3585041" y="4943474"/>
             <a:ext cx="5158154" cy="1477328"/>
           </a:xfrm>
           <a:prstGeom prst="rect">

--- a/pre_fff.pptx
+++ b/pre_fff.pptx
@@ -3308,16 +3308,15 @@
             <p:ph idx="1"/>
           </p:nvPr>
         </p:nvPicPr>
-        <p:blipFill>
+        <p:blipFill rotWithShape="1">
           <a:blip r:embed="rId2"/>
-          <a:stretch>
-            <a:fillRect/>
-          </a:stretch>
+          <a:srcRect l="6743" r="1387"/>
+          <a:stretch/>
         </p:blipFill>
         <p:spPr>
           <a:xfrm>
-            <a:off x="0" y="2153487"/>
-            <a:ext cx="5563507" cy="3041384"/>
+            <a:off x="46196" y="1690688"/>
+            <a:ext cx="5603797" cy="3504184"/>
           </a:xfrm>
           <a:prstGeom prst="rect">
             <a:avLst/>
@@ -3371,26 +3370,6 @@
           <a:lstStyle/>
           <a:p>
             <a:pPr algn="ctr"/>
-            <a:r>
-              <a:rPr lang="en-US" altLang="zh-CN" dirty="0"/>
-              <a:t>COCO </a:t>
-            </a:r>
-            <a:r>
-              <a:rPr lang="en-US" altLang="zh-CN" dirty="0" smtClean="0"/>
-              <a:t>2015---</a:t>
-            </a:r>
-            <a:r>
-              <a:rPr lang="zh-CN" altLang="en-US" dirty="0" smtClean="0"/>
-              <a:t>另一</a:t>
-            </a:r>
-            <a:r>
-              <a:rPr lang="zh-CN" altLang="en-US" dirty="0"/>
-              <a:t>个图像识别</a:t>
-            </a:r>
-            <a:r>
-              <a:rPr lang="zh-CN" altLang="en-US" dirty="0" smtClean="0"/>
-              <a:t>比赛</a:t>
-            </a:r>
             <a:endParaRPr lang="en-US" altLang="zh-CN" dirty="0" smtClean="0"/>
           </a:p>
           <a:p>
